--- a/powerpoint.pptx
+++ b/powerpoint.pptx
@@ -11,15 +11,14 @@
     <p:sldId id="259" r:id="rId5"/>
     <p:sldId id="260" r:id="rId6"/>
     <p:sldId id="262" r:id="rId7"/>
-    <p:sldId id="263" r:id="rId8"/>
-    <p:sldId id="264" r:id="rId9"/>
-    <p:sldId id="265" r:id="rId10"/>
-    <p:sldId id="266" r:id="rId11"/>
-    <p:sldId id="267" r:id="rId12"/>
-    <p:sldId id="268" r:id="rId13"/>
-    <p:sldId id="269" r:id="rId14"/>
-    <p:sldId id="270" r:id="rId15"/>
-    <p:sldId id="271" r:id="rId16"/>
+    <p:sldId id="264" r:id="rId8"/>
+    <p:sldId id="265" r:id="rId9"/>
+    <p:sldId id="266" r:id="rId10"/>
+    <p:sldId id="267" r:id="rId11"/>
+    <p:sldId id="268" r:id="rId12"/>
+    <p:sldId id="269" r:id="rId13"/>
+    <p:sldId id="272" r:id="rId14"/>
+    <p:sldId id="271" r:id="rId15"/>
   </p:sldIdLst>
   <p:sldSz cx="12192000" cy="6858000"/>
   <p:notesSz cx="6858000" cy="9144000"/>
@@ -315,7 +314,7 @@
             <a:fld id="{B61BEF0D-F0BB-DE4B-95CE-6DB70DBA9567}" type="datetimeFigureOut">
               <a:rPr lang="en-US" dirty="0"/>
               <a:pPr/>
-              <a:t>8/29/2018</a:t>
+              <a:t>8/31/2018</a:t>
             </a:fld>
             <a:endParaRPr lang="en-US" dirty="0"/>
           </a:p>
@@ -650,7 +649,7 @@
             <a:fld id="{B61BEF0D-F0BB-DE4B-95CE-6DB70DBA9567}" type="datetimeFigureOut">
               <a:rPr lang="en-US" dirty="0"/>
               <a:pPr/>
-              <a:t>8/29/2018</a:t>
+              <a:t>8/31/2018</a:t>
             </a:fld>
             <a:endParaRPr lang="en-US" dirty="0"/>
           </a:p>
@@ -1048,7 +1047,7 @@
             <a:fld id="{B61BEF0D-F0BB-DE4B-95CE-6DB70DBA9567}" type="datetimeFigureOut">
               <a:rPr lang="en-US" dirty="0"/>
               <a:pPr/>
-              <a:t>8/29/2018</a:t>
+              <a:t>8/31/2018</a:t>
             </a:fld>
             <a:endParaRPr lang="en-US" dirty="0"/>
           </a:p>
@@ -1381,7 +1380,7 @@
             <a:fld id="{B61BEF0D-F0BB-DE4B-95CE-6DB70DBA9567}" type="datetimeFigureOut">
               <a:rPr lang="en-US" dirty="0"/>
               <a:pPr/>
-              <a:t>8/29/2018</a:t>
+              <a:t>8/31/2018</a:t>
             </a:fld>
             <a:endParaRPr lang="en-US" dirty="0"/>
           </a:p>
@@ -1698,7 +1697,7 @@
             <a:fld id="{B61BEF0D-F0BB-DE4B-95CE-6DB70DBA9567}" type="datetimeFigureOut">
               <a:rPr lang="en-US" dirty="0"/>
               <a:pPr/>
-              <a:t>8/29/2018</a:t>
+              <a:t>8/31/2018</a:t>
             </a:fld>
             <a:endParaRPr lang="en-US" dirty="0"/>
           </a:p>
@@ -2091,7 +2090,7 @@
             <a:fld id="{B61BEF0D-F0BB-DE4B-95CE-6DB70DBA9567}" type="datetimeFigureOut">
               <a:rPr lang="en-US" dirty="0"/>
               <a:pPr/>
-              <a:t>8/29/2018</a:t>
+              <a:t>8/31/2018</a:t>
             </a:fld>
             <a:endParaRPr lang="en-US" dirty="0"/>
           </a:p>
@@ -2345,7 +2344,7 @@
             <a:fld id="{B61BEF0D-F0BB-DE4B-95CE-6DB70DBA9567}" type="datetimeFigureOut">
               <a:rPr lang="en-US" dirty="0"/>
               <a:pPr/>
-              <a:t>8/29/2018</a:t>
+              <a:t>8/31/2018</a:t>
             </a:fld>
             <a:endParaRPr lang="en-US" dirty="0"/>
           </a:p>
@@ -2604,7 +2603,7 @@
             <a:fld id="{B61BEF0D-F0BB-DE4B-95CE-6DB70DBA9567}" type="datetimeFigureOut">
               <a:rPr lang="en-US" dirty="0"/>
               <a:pPr/>
-              <a:t>8/29/2018</a:t>
+              <a:t>8/31/2018</a:t>
             </a:fld>
             <a:endParaRPr lang="en-US" dirty="0"/>
           </a:p>
@@ -2863,7 +2862,7 @@
             <a:fld id="{B61BEF0D-F0BB-DE4B-95CE-6DB70DBA9567}" type="datetimeFigureOut">
               <a:rPr lang="en-US" dirty="0"/>
               <a:pPr/>
-              <a:t>8/29/2018</a:t>
+              <a:t>8/31/2018</a:t>
             </a:fld>
             <a:endParaRPr lang="en-US" dirty="0"/>
           </a:p>
@@ -3189,7 +3188,7 @@
             <a:fld id="{B61BEF0D-F0BB-DE4B-95CE-6DB70DBA9567}" type="datetimeFigureOut">
               <a:rPr lang="en-US" dirty="0"/>
               <a:pPr/>
-              <a:t>8/29/2018</a:t>
+              <a:t>8/31/2018</a:t>
             </a:fld>
             <a:endParaRPr lang="en-US" dirty="0"/>
           </a:p>
@@ -3509,7 +3508,7 @@
             <a:fld id="{B61BEF0D-F0BB-DE4B-95CE-6DB70DBA9567}" type="datetimeFigureOut">
               <a:rPr lang="en-US" dirty="0"/>
               <a:pPr/>
-              <a:t>8/29/2018</a:t>
+              <a:t>8/31/2018</a:t>
             </a:fld>
             <a:endParaRPr lang="en-US" dirty="0"/>
           </a:p>
@@ -3963,7 +3962,7 @@
             <a:fld id="{B61BEF0D-F0BB-DE4B-95CE-6DB70DBA9567}" type="datetimeFigureOut">
               <a:rPr lang="en-US" dirty="0"/>
               <a:pPr/>
-              <a:t>8/29/2018</a:t>
+              <a:t>8/31/2018</a:t>
             </a:fld>
             <a:endParaRPr lang="en-US" dirty="0"/>
           </a:p>
@@ -4165,7 +4164,7 @@
             <a:fld id="{B61BEF0D-F0BB-DE4B-95CE-6DB70DBA9567}" type="datetimeFigureOut">
               <a:rPr lang="en-US" dirty="0"/>
               <a:pPr/>
-              <a:t>8/29/2018</a:t>
+              <a:t>8/31/2018</a:t>
             </a:fld>
             <a:endParaRPr lang="en-US" dirty="0"/>
           </a:p>
@@ -4339,7 +4338,7 @@
             <a:fld id="{B61BEF0D-F0BB-DE4B-95CE-6DB70DBA9567}" type="datetimeFigureOut">
               <a:rPr lang="en-US" dirty="0"/>
               <a:pPr/>
-              <a:t>8/29/2018</a:t>
+              <a:t>8/31/2018</a:t>
             </a:fld>
             <a:endParaRPr lang="en-US" dirty="0"/>
           </a:p>
@@ -4669,7 +4668,7 @@
             <a:fld id="{B61BEF0D-F0BB-DE4B-95CE-6DB70DBA9567}" type="datetimeFigureOut">
               <a:rPr lang="en-US" dirty="0"/>
               <a:pPr/>
-              <a:t>8/29/2018</a:t>
+              <a:t>8/31/2018</a:t>
             </a:fld>
             <a:endParaRPr lang="en-US" dirty="0"/>
           </a:p>
@@ -5011,7 +5010,7 @@
             <a:fld id="{B61BEF0D-F0BB-DE4B-95CE-6DB70DBA9567}" type="datetimeFigureOut">
               <a:rPr lang="en-US" dirty="0"/>
               <a:pPr/>
-              <a:t>8/29/2018</a:t>
+              <a:t>8/31/2018</a:t>
             </a:fld>
             <a:endParaRPr lang="en-US" dirty="0"/>
           </a:p>
@@ -7125,7 +7124,7 @@
             <a:fld id="{B61BEF0D-F0BB-DE4B-95CE-6DB70DBA9567}" type="datetimeFigureOut">
               <a:rPr lang="en-US" dirty="0"/>
               <a:pPr/>
-              <a:t>8/29/2018</a:t>
+              <a:t>8/31/2018</a:t>
             </a:fld>
             <a:endParaRPr lang="en-US" dirty="0"/>
           </a:p>
@@ -7731,14 +7730,19 @@
             <p:ph type="title"/>
           </p:nvPr>
         </p:nvSpPr>
-        <p:spPr/>
+        <p:spPr>
+          <a:xfrm>
+            <a:off x="2325512" y="183843"/>
+            <a:ext cx="8987190" cy="729864"/>
+          </a:xfrm>
+        </p:spPr>
         <p:txBody>
           <a:bodyPr/>
           <a:lstStyle/>
           <a:p>
             <a:r>
               <a:rPr lang="en-US" dirty="0" smtClean="0"/>
-              <a:t>Flow chart diagram for User</a:t>
+              <a:t>Use case Diagram For ETD</a:t>
             </a:r>
             <a:endParaRPr lang="en-US" dirty="0"/>
           </a:p>
@@ -7746,45 +7750,34 @@
       </p:sp>
       <p:pic>
         <p:nvPicPr>
-          <p:cNvPr id="4" name="Content Placeholder 3" descr="C:\Users\ACER\Documentation\uml\FlowChart for user.png"/>
+          <p:cNvPr id="4" name="Content Placeholder 3"/>
           <p:cNvPicPr>
-            <a:picLocks noGrp="1"/>
+            <a:picLocks noGrp="1" noChangeAspect="1"/>
           </p:cNvPicPr>
           <p:nvPr>
             <p:ph idx="1"/>
           </p:nvPr>
         </p:nvPicPr>
         <p:blipFill>
-          <a:blip r:embed="rId2">
-            <a:extLst>
-              <a:ext uri="{28A0092B-C50C-407E-A947-70E740481C1C}">
-                <a14:useLocalDpi xmlns:a14="http://schemas.microsoft.com/office/drawing/2010/main" val="0"/>
-              </a:ext>
-            </a:extLst>
-          </a:blip>
-          <a:srcRect/>
+          <a:blip r:embed="rId2"/>
           <a:stretch>
             <a:fillRect/>
           </a:stretch>
         </p:blipFill>
-        <p:spPr bwMode="auto">
+        <p:spPr>
           <a:xfrm>
-            <a:off x="2777067" y="1825978"/>
-            <a:ext cx="4538133" cy="4953000"/>
+            <a:off x="2189516" y="993422"/>
+            <a:ext cx="6654178" cy="5864578"/>
           </a:xfrm>
           <a:prstGeom prst="rect">
             <a:avLst/>
           </a:prstGeom>
-          <a:noFill/>
-          <a:ln>
-            <a:noFill/>
-          </a:ln>
         </p:spPr>
       </p:pic>
     </p:spTree>
     <p:extLst>
       <p:ext uri="{BB962C8B-B14F-4D97-AF65-F5344CB8AC3E}">
-        <p14:creationId xmlns:p14="http://schemas.microsoft.com/office/powerpoint/2010/main" val="1614212040"/>
+        <p14:creationId xmlns:p14="http://schemas.microsoft.com/office/powerpoint/2010/main" val="2695250412"/>
       </p:ext>
     </p:extLst>
   </p:cSld>
@@ -7846,8 +7839,8 @@
         </p:nvSpPr>
         <p:spPr>
           <a:xfrm>
-            <a:off x="2325512" y="183843"/>
-            <a:ext cx="8987190" cy="729864"/>
+            <a:off x="2370666" y="172555"/>
+            <a:ext cx="8704968" cy="798290"/>
           </a:xfrm>
         </p:spPr>
         <p:txBody>
@@ -7856,7 +7849,7 @@
           <a:p>
             <a:r>
               <a:rPr lang="en-US" dirty="0" smtClean="0"/>
-              <a:t>Use case Diagram For ETD</a:t>
+              <a:t>Sequence Diagram For ETD</a:t>
             </a:r>
             <a:endParaRPr lang="en-US" dirty="0"/>
           </a:p>
@@ -7866,22 +7859,28 @@
         <p:nvPicPr>
           <p:cNvPr id="4" name="Content Placeholder 3"/>
           <p:cNvPicPr>
-            <a:picLocks noGrp="1" noChangeAspect="1"/>
+            <a:picLocks noGrp="1"/>
           </p:cNvPicPr>
           <p:nvPr>
             <p:ph idx="1"/>
           </p:nvPr>
         </p:nvPicPr>
         <p:blipFill>
-          <a:blip r:embed="rId2"/>
+          <a:blip r:embed="rId2">
+            <a:extLst>
+              <a:ext uri="{28A0092B-C50C-407E-A947-70E740481C1C}">
+                <a14:useLocalDpi xmlns:a14="http://schemas.microsoft.com/office/drawing/2010/main" val="0"/>
+              </a:ext>
+            </a:extLst>
+          </a:blip>
           <a:stretch>
             <a:fillRect/>
           </a:stretch>
         </p:blipFill>
         <p:spPr>
           <a:xfrm>
-            <a:off x="2189516" y="993422"/>
-            <a:ext cx="6654178" cy="5864578"/>
+            <a:off x="3328988" y="1185863"/>
+            <a:ext cx="5486400" cy="5672137"/>
           </a:xfrm>
           <a:prstGeom prst="rect">
             <a:avLst/>
@@ -7891,7 +7890,7 @@
     </p:spTree>
     <p:extLst>
       <p:ext uri="{BB962C8B-B14F-4D97-AF65-F5344CB8AC3E}">
-        <p14:creationId xmlns:p14="http://schemas.microsoft.com/office/powerpoint/2010/main" val="2695250412"/>
+        <p14:creationId xmlns:p14="http://schemas.microsoft.com/office/powerpoint/2010/main" val="2913215668"/>
       </p:ext>
     </p:extLst>
   </p:cSld>
@@ -7902,6 +7901,1162 @@
 </file>
 
 <file path=ppt/slides/slide12.xml><?xml version="1.0" encoding="utf-8"?>
+<p:sld xmlns:a="http://schemas.openxmlformats.org/drawingml/2006/main" xmlns:r="http://schemas.openxmlformats.org/officeDocument/2006/relationships" xmlns:p="http://schemas.openxmlformats.org/presentationml/2006/main">
+  <p:cSld>
+    <p:spTree>
+      <p:nvGrpSpPr>
+        <p:cNvPr id="1" name=""/>
+        <p:cNvGrpSpPr/>
+        <p:nvPr/>
+      </p:nvGrpSpPr>
+      <p:grpSpPr>
+        <a:xfrm>
+          <a:off x="0" y="0"/>
+          <a:ext cx="0" cy="0"/>
+          <a:chOff x="0" y="0"/>
+          <a:chExt cx="0" cy="0"/>
+        </a:xfrm>
+      </p:grpSpPr>
+      <p:sp>
+        <p:nvSpPr>
+          <p:cNvPr id="2" name="Title 1"/>
+          <p:cNvSpPr>
+            <a:spLocks noGrp="1"/>
+          </p:cNvSpPr>
+          <p:nvPr>
+            <p:ph type="title"/>
+          </p:nvPr>
+        </p:nvSpPr>
+        <p:spPr/>
+        <p:txBody>
+          <a:bodyPr/>
+          <a:lstStyle/>
+          <a:p>
+            <a:r>
+              <a:rPr lang="en-US" dirty="0" err="1" smtClean="0"/>
+              <a:t>Minestones</a:t>
+            </a:r>
+            <a:r>
+              <a:rPr lang="en-US" dirty="0" smtClean="0"/>
+              <a:t> and job distribution</a:t>
+            </a:r>
+            <a:endParaRPr lang="en-US" dirty="0"/>
+          </a:p>
+        </p:txBody>
+      </p:sp>
+      <p:sp>
+        <p:nvSpPr>
+          <p:cNvPr id="3" name="Content Placeholder 2"/>
+          <p:cNvSpPr>
+            <a:spLocks noGrp="1"/>
+          </p:cNvSpPr>
+          <p:nvPr>
+            <p:ph idx="1"/>
+          </p:nvPr>
+        </p:nvSpPr>
+        <p:spPr/>
+        <p:txBody>
+          <a:bodyPr/>
+          <a:lstStyle/>
+          <a:p>
+            <a:endParaRPr lang="en-US"/>
+          </a:p>
+        </p:txBody>
+      </p:sp>
+    </p:spTree>
+    <p:extLst>
+      <p:ext uri="{BB962C8B-B14F-4D97-AF65-F5344CB8AC3E}">
+        <p14:creationId xmlns:p14="http://schemas.microsoft.com/office/powerpoint/2010/main" val="3967389016"/>
+      </p:ext>
+    </p:extLst>
+  </p:cSld>
+  <p:clrMapOvr>
+    <a:masterClrMapping/>
+  </p:clrMapOvr>
+</p:sld>
+</file>
+
+<file path=ppt/slides/slide13.xml><?xml version="1.0" encoding="utf-8"?>
+<p:sld xmlns:a="http://schemas.openxmlformats.org/drawingml/2006/main" xmlns:r="http://schemas.openxmlformats.org/officeDocument/2006/relationships" xmlns:p="http://schemas.openxmlformats.org/presentationml/2006/main">
+  <p:cSld>
+    <p:spTree>
+      <p:nvGrpSpPr>
+        <p:cNvPr id="1" name=""/>
+        <p:cNvGrpSpPr/>
+        <p:nvPr/>
+      </p:nvGrpSpPr>
+      <p:grpSpPr>
+        <a:xfrm>
+          <a:off x="0" y="0"/>
+          <a:ext cx="0" cy="0"/>
+          <a:chOff x="0" y="0"/>
+          <a:chExt cx="0" cy="0"/>
+        </a:xfrm>
+      </p:grpSpPr>
+      <p:sp>
+        <p:nvSpPr>
+          <p:cNvPr id="2" name="Title 1"/>
+          <p:cNvSpPr>
+            <a:spLocks noGrp="1"/>
+          </p:cNvSpPr>
+          <p:nvPr>
+            <p:ph type="title"/>
+          </p:nvPr>
+        </p:nvSpPr>
+        <p:spPr/>
+        <p:txBody>
+          <a:bodyPr/>
+          <a:lstStyle/>
+          <a:p>
+            <a:r>
+              <a:rPr lang="en-US" dirty="0" smtClean="0"/>
+              <a:t>Conclusion</a:t>
+            </a:r>
+            <a:endParaRPr lang="en-US" dirty="0"/>
+          </a:p>
+        </p:txBody>
+      </p:sp>
+      <p:sp>
+        <p:nvSpPr>
+          <p:cNvPr id="3" name="Content Placeholder 2"/>
+          <p:cNvSpPr>
+            <a:spLocks noGrp="1"/>
+          </p:cNvSpPr>
+          <p:nvPr>
+            <p:ph idx="1"/>
+          </p:nvPr>
+        </p:nvSpPr>
+        <p:spPr/>
+        <p:txBody>
+          <a:bodyPr>
+            <a:normAutofit fontScale="92500" lnSpcReduction="20000"/>
+          </a:bodyPr>
+          <a:lstStyle/>
+          <a:p>
+            <a:r>
+              <a:rPr lang="en-US" dirty="0" smtClean="0"/>
+              <a:t>This system provides users to search easily CU(</a:t>
+            </a:r>
+            <a:r>
+              <a:rPr lang="en-US" dirty="0" err="1" smtClean="0"/>
+              <a:t>Mdy</a:t>
+            </a:r>
+            <a:r>
+              <a:rPr lang="en-US" dirty="0" smtClean="0"/>
+              <a:t>) theses from 2008-2016 with abstract.</a:t>
+            </a:r>
+          </a:p>
+          <a:p>
+            <a:r>
+              <a:rPr lang="en-US" dirty="0" smtClean="0"/>
+              <a:t>Our project has a weakness. It don’t show full data of all thesis because our data are collected from CU (</a:t>
+            </a:r>
+            <a:r>
+              <a:rPr lang="en-US" dirty="0" err="1" smtClean="0"/>
+              <a:t>Mdy</a:t>
+            </a:r>
+            <a:r>
+              <a:rPr lang="en-US" dirty="0" smtClean="0"/>
+              <a:t>) library and there is no soft copy of theses.</a:t>
+            </a:r>
+          </a:p>
+          <a:p>
+            <a:r>
+              <a:rPr lang="en-US" dirty="0" smtClean="0"/>
+              <a:t>But we make our ETD system to find global theses and dissertations for more reference.</a:t>
+            </a:r>
+          </a:p>
+          <a:p>
+            <a:r>
+              <a:rPr lang="en-US" dirty="0" smtClean="0"/>
+              <a:t>Users can search 5,111,718 electronic theses and dissertation at Global ETD site where can find any field  that you want.</a:t>
+            </a:r>
+          </a:p>
+          <a:p>
+            <a:r>
+              <a:rPr lang="en-US" dirty="0" smtClean="0"/>
+              <a:t>At admin panel, admin can create, retrieve , update and delete data from firebase database.</a:t>
+            </a:r>
+          </a:p>
+          <a:p>
+            <a:r>
+              <a:rPr lang="en-US" dirty="0" smtClean="0"/>
+              <a:t>And also do permissions  for login users.</a:t>
+            </a:r>
+          </a:p>
+          <a:p>
+            <a:r>
+              <a:rPr lang="en-US" dirty="0" smtClean="0"/>
+              <a:t>For our project future plan , we aim to do more useful site for our  university.</a:t>
+            </a:r>
+          </a:p>
+          <a:p>
+            <a:r>
+              <a:rPr lang="en-US" dirty="0" smtClean="0"/>
+              <a:t>We want to make from ETD mini project to CU(</a:t>
+            </a:r>
+            <a:r>
+              <a:rPr lang="en-US" dirty="0" err="1" smtClean="0"/>
+              <a:t>Mdy</a:t>
+            </a:r>
+            <a:r>
+              <a:rPr lang="en-US" dirty="0" smtClean="0"/>
+              <a:t>) e-Library.</a:t>
+            </a:r>
+          </a:p>
+          <a:p>
+            <a:endParaRPr lang="en-US" dirty="0"/>
+          </a:p>
+        </p:txBody>
+      </p:sp>
+    </p:spTree>
+    <p:extLst>
+      <p:ext uri="{BB962C8B-B14F-4D97-AF65-F5344CB8AC3E}">
+        <p14:creationId xmlns:p14="http://schemas.microsoft.com/office/powerpoint/2010/main" val="1912444168"/>
+      </p:ext>
+    </p:extLst>
+  </p:cSld>
+  <p:clrMapOvr>
+    <a:masterClrMapping/>
+  </p:clrMapOvr>
+</p:sld>
+</file>
+
+<file path=ppt/slides/slide14.xml><?xml version="1.0" encoding="utf-8"?>
+<p:sld xmlns:a="http://schemas.openxmlformats.org/drawingml/2006/main" xmlns:r="http://schemas.openxmlformats.org/officeDocument/2006/relationships" xmlns:p="http://schemas.openxmlformats.org/presentationml/2006/main">
+  <p:cSld>
+    <p:spTree>
+      <p:nvGrpSpPr>
+        <p:cNvPr id="1" name=""/>
+        <p:cNvGrpSpPr/>
+        <p:nvPr/>
+      </p:nvGrpSpPr>
+      <p:grpSpPr>
+        <a:xfrm>
+          <a:off x="0" y="0"/>
+          <a:ext cx="0" cy="0"/>
+          <a:chOff x="0" y="0"/>
+          <a:chExt cx="0" cy="0"/>
+        </a:xfrm>
+      </p:grpSpPr>
+      <p:sp>
+        <p:nvSpPr>
+          <p:cNvPr id="2" name="Title 1"/>
+          <p:cNvSpPr>
+            <a:spLocks noGrp="1"/>
+          </p:cNvSpPr>
+          <p:nvPr>
+            <p:ph type="title"/>
+          </p:nvPr>
+        </p:nvSpPr>
+        <p:spPr>
+          <a:xfrm>
+            <a:off x="3217333" y="2768998"/>
+            <a:ext cx="8772701" cy="843446"/>
+          </a:xfrm>
+        </p:spPr>
+        <p:txBody>
+          <a:bodyPr/>
+          <a:lstStyle/>
+          <a:p>
+            <a:r>
+              <a:rPr lang="en-US" dirty="0" smtClean="0"/>
+              <a:t>Thanks For Your Attention!</a:t>
+            </a:r>
+            <a:endParaRPr lang="en-US" dirty="0"/>
+          </a:p>
+        </p:txBody>
+      </p:sp>
+    </p:spTree>
+    <p:extLst>
+      <p:ext uri="{BB962C8B-B14F-4D97-AF65-F5344CB8AC3E}">
+        <p14:creationId xmlns:p14="http://schemas.microsoft.com/office/powerpoint/2010/main" val="317149102"/>
+      </p:ext>
+    </p:extLst>
+  </p:cSld>
+  <p:clrMapOvr>
+    <a:masterClrMapping/>
+  </p:clrMapOvr>
+</p:sld>
+</file>
+
+<file path=ppt/slides/slide2.xml><?xml version="1.0" encoding="utf-8"?>
+<p:sld xmlns:a="http://schemas.openxmlformats.org/drawingml/2006/main" xmlns:r="http://schemas.openxmlformats.org/officeDocument/2006/relationships" xmlns:p="http://schemas.openxmlformats.org/presentationml/2006/main">
+  <p:cSld>
+    <p:spTree>
+      <p:nvGrpSpPr>
+        <p:cNvPr id="1" name=""/>
+        <p:cNvGrpSpPr/>
+        <p:nvPr/>
+      </p:nvGrpSpPr>
+      <p:grpSpPr>
+        <a:xfrm>
+          <a:off x="0" y="0"/>
+          <a:ext cx="0" cy="0"/>
+          <a:chOff x="0" y="0"/>
+          <a:chExt cx="0" cy="0"/>
+        </a:xfrm>
+      </p:grpSpPr>
+      <p:sp>
+        <p:nvSpPr>
+          <p:cNvPr id="2" name="Title 1"/>
+          <p:cNvSpPr>
+            <a:spLocks noGrp="1"/>
+          </p:cNvSpPr>
+          <p:nvPr>
+            <p:ph type="title"/>
+          </p:nvPr>
+        </p:nvSpPr>
+        <p:spPr/>
+        <p:txBody>
+          <a:bodyPr/>
+          <a:lstStyle/>
+          <a:p>
+            <a:r>
+              <a:rPr lang="en-US" dirty="0"/>
+              <a:t>Supervisor-Dr. </a:t>
+            </a:r>
+            <a:r>
+              <a:rPr lang="en-US" dirty="0" err="1"/>
+              <a:t>Ei</a:t>
+            </a:r>
+            <a:r>
+              <a:rPr lang="en-US" dirty="0"/>
+              <a:t> </a:t>
+            </a:r>
+            <a:r>
+              <a:rPr lang="en-US" dirty="0" err="1"/>
+              <a:t>Ei</a:t>
+            </a:r>
+            <a:r>
+              <a:rPr lang="en-US" dirty="0"/>
+              <a:t> Mon</a:t>
+            </a:r>
+          </a:p>
+        </p:txBody>
+      </p:sp>
+      <p:sp>
+        <p:nvSpPr>
+          <p:cNvPr id="3" name="Content Placeholder 2"/>
+          <p:cNvSpPr>
+            <a:spLocks noGrp="1"/>
+          </p:cNvSpPr>
+          <p:nvPr>
+            <p:ph idx="1"/>
+          </p:nvPr>
+        </p:nvSpPr>
+        <p:spPr/>
+        <p:txBody>
+          <a:bodyPr/>
+          <a:lstStyle/>
+          <a:p>
+            <a:pPr marL="0" indent="0">
+              <a:buNone/>
+            </a:pPr>
+            <a:r>
+              <a:rPr lang="en-US" sz="2000" dirty="0"/>
+              <a:t>Present By</a:t>
+            </a:r>
+          </a:p>
+          <a:p>
+            <a:r>
+              <a:rPr lang="en-US" dirty="0"/>
+              <a:t>	Ma </a:t>
+            </a:r>
+            <a:r>
+              <a:rPr lang="en-US" dirty="0" err="1"/>
+              <a:t>Ei</a:t>
+            </a:r>
+            <a:r>
+              <a:rPr lang="en-US" dirty="0"/>
+              <a:t> Po </a:t>
+            </a:r>
+            <a:r>
+              <a:rPr lang="en-US" dirty="0" err="1"/>
+              <a:t>Po</a:t>
+            </a:r>
+            <a:r>
+              <a:rPr lang="en-US" dirty="0"/>
+              <a:t> </a:t>
+            </a:r>
+            <a:r>
+              <a:rPr lang="en-US" dirty="0" err="1"/>
+              <a:t>Aung</a:t>
+            </a:r>
+            <a:endParaRPr lang="en-US" dirty="0"/>
+          </a:p>
+          <a:p>
+            <a:r>
+              <a:rPr lang="en-US" dirty="0"/>
+              <a:t>	Ma April Su</a:t>
+            </a:r>
+          </a:p>
+          <a:p>
+            <a:r>
+              <a:rPr lang="en-US" dirty="0"/>
+              <a:t>	Ma </a:t>
+            </a:r>
+            <a:r>
+              <a:rPr lang="en-US" dirty="0" err="1"/>
+              <a:t>Myo</a:t>
+            </a:r>
+            <a:r>
+              <a:rPr lang="en-US" dirty="0"/>
+              <a:t> </a:t>
+            </a:r>
+            <a:r>
+              <a:rPr lang="en-US" dirty="0" err="1"/>
+              <a:t>Myo</a:t>
+            </a:r>
+            <a:endParaRPr lang="en-US" dirty="0"/>
+          </a:p>
+          <a:p>
+            <a:r>
+              <a:rPr lang="en-US" dirty="0"/>
+              <a:t>	Ma </a:t>
+            </a:r>
+            <a:r>
+              <a:rPr lang="en-US" dirty="0" err="1"/>
+              <a:t>Htet</a:t>
+            </a:r>
+            <a:r>
+              <a:rPr lang="en-US" dirty="0"/>
+              <a:t> </a:t>
+            </a:r>
+            <a:r>
+              <a:rPr lang="en-US" dirty="0" err="1"/>
+              <a:t>Htet</a:t>
+            </a:r>
+            <a:r>
+              <a:rPr lang="en-US" dirty="0"/>
+              <a:t> </a:t>
+            </a:r>
+            <a:r>
+              <a:rPr lang="en-US" dirty="0" err="1"/>
+              <a:t>Htun</a:t>
+            </a:r>
+            <a:endParaRPr lang="en-US" dirty="0"/>
+          </a:p>
+          <a:p>
+            <a:r>
+              <a:rPr lang="en-US" dirty="0"/>
+              <a:t>	Ma Su Sandi </a:t>
+            </a:r>
+            <a:r>
+              <a:rPr lang="en-US" dirty="0" err="1"/>
+              <a:t>Myint</a:t>
+            </a:r>
+            <a:r>
+              <a:rPr lang="en-US" dirty="0"/>
+              <a:t> </a:t>
+            </a:r>
+            <a:r>
+              <a:rPr lang="en-US" dirty="0" err="1"/>
+              <a:t>Naing</a:t>
+            </a:r>
+            <a:endParaRPr lang="en-US" dirty="0"/>
+          </a:p>
+          <a:p>
+            <a:r>
+              <a:rPr lang="en-US" dirty="0"/>
+              <a:t>	Ma Shun Lei </a:t>
+            </a:r>
+            <a:r>
+              <a:rPr lang="en-US" dirty="0" err="1"/>
+              <a:t>Nadi</a:t>
+            </a:r>
+            <a:r>
+              <a:rPr lang="en-US" dirty="0"/>
+              <a:t> Moe</a:t>
+            </a:r>
+          </a:p>
+          <a:p>
+            <a:endParaRPr lang="en-US" dirty="0"/>
+          </a:p>
+        </p:txBody>
+      </p:sp>
+    </p:spTree>
+    <p:extLst>
+      <p:ext uri="{BB962C8B-B14F-4D97-AF65-F5344CB8AC3E}">
+        <p14:creationId xmlns:p14="http://schemas.microsoft.com/office/powerpoint/2010/main" val="3631692783"/>
+      </p:ext>
+    </p:extLst>
+  </p:cSld>
+  <p:clrMapOvr>
+    <a:masterClrMapping/>
+  </p:clrMapOvr>
+</p:sld>
+</file>
+
+<file path=ppt/slides/slide3.xml><?xml version="1.0" encoding="utf-8"?>
+<p:sld xmlns:a="http://schemas.openxmlformats.org/drawingml/2006/main" xmlns:r="http://schemas.openxmlformats.org/officeDocument/2006/relationships" xmlns:p="http://schemas.openxmlformats.org/presentationml/2006/main">
+  <p:cSld>
+    <p:spTree>
+      <p:nvGrpSpPr>
+        <p:cNvPr id="1" name=""/>
+        <p:cNvGrpSpPr/>
+        <p:nvPr/>
+      </p:nvGrpSpPr>
+      <p:grpSpPr>
+        <a:xfrm>
+          <a:off x="0" y="0"/>
+          <a:ext cx="0" cy="0"/>
+          <a:chOff x="0" y="0"/>
+          <a:chExt cx="0" cy="0"/>
+        </a:xfrm>
+      </p:grpSpPr>
+      <p:sp>
+        <p:nvSpPr>
+          <p:cNvPr id="2" name="Title 1"/>
+          <p:cNvSpPr>
+            <a:spLocks noGrp="1"/>
+          </p:cNvSpPr>
+          <p:nvPr>
+            <p:ph type="title"/>
+          </p:nvPr>
+        </p:nvSpPr>
+        <p:spPr/>
+        <p:txBody>
+          <a:bodyPr/>
+          <a:lstStyle/>
+          <a:p>
+            <a:r>
+              <a:rPr lang="en-US" dirty="0"/>
+              <a:t>Words From Heard</a:t>
+            </a:r>
+          </a:p>
+        </p:txBody>
+      </p:sp>
+      <p:sp>
+        <p:nvSpPr>
+          <p:cNvPr id="3" name="Content Placeholder 2"/>
+          <p:cNvSpPr>
+            <a:spLocks noGrp="1"/>
+          </p:cNvSpPr>
+          <p:nvPr>
+            <p:ph idx="1"/>
+          </p:nvPr>
+        </p:nvSpPr>
+        <p:spPr/>
+        <p:txBody>
+          <a:bodyPr/>
+          <a:lstStyle/>
+          <a:p>
+            <a:r>
+              <a:rPr lang="en-US" dirty="0"/>
+              <a:t>We truly thank U </a:t>
+            </a:r>
+            <a:r>
+              <a:rPr lang="en-US" dirty="0" err="1"/>
+              <a:t>Kyaw</a:t>
+            </a:r>
+            <a:r>
+              <a:rPr lang="en-US" dirty="0"/>
+              <a:t> </a:t>
+            </a:r>
+            <a:r>
+              <a:rPr lang="en-US" dirty="0" err="1"/>
+              <a:t>Swar</a:t>
+            </a:r>
+            <a:r>
+              <a:rPr lang="en-US" dirty="0"/>
+              <a:t> </a:t>
+            </a:r>
+            <a:r>
+              <a:rPr lang="en-US" dirty="0" err="1"/>
+              <a:t>Soe</a:t>
+            </a:r>
+            <a:r>
+              <a:rPr lang="en-US" dirty="0"/>
+              <a:t> ,  Rector , </a:t>
+            </a:r>
+            <a:r>
+              <a:rPr lang="en-US" dirty="0" err="1"/>
+              <a:t>ComputerUniversity</a:t>
+            </a:r>
+            <a:r>
+              <a:rPr lang="en-US" dirty="0"/>
+              <a:t> (Mandalay) for his kind permission to send us internship Program.</a:t>
+            </a:r>
+          </a:p>
+          <a:p>
+            <a:endParaRPr lang="en-US" dirty="0"/>
+          </a:p>
+          <a:p>
+            <a:r>
+              <a:rPr lang="en-US" dirty="0"/>
+              <a:t>Then, We would like to express any special thanks to Dr. </a:t>
+            </a:r>
+            <a:r>
+              <a:rPr lang="en-US" dirty="0" err="1"/>
+              <a:t>Ei</a:t>
+            </a:r>
+            <a:r>
+              <a:rPr lang="en-US" dirty="0"/>
+              <a:t> </a:t>
+            </a:r>
+            <a:r>
+              <a:rPr lang="en-US" dirty="0" err="1"/>
+              <a:t>Ei</a:t>
+            </a:r>
+            <a:r>
+              <a:rPr lang="en-US" dirty="0"/>
+              <a:t> Mon,  Processor, Head of Software Department for her helpful recommendations and suggestions.</a:t>
+            </a:r>
+          </a:p>
+          <a:p>
+            <a:endParaRPr lang="en-US" dirty="0"/>
+          </a:p>
+          <a:p>
+            <a:r>
+              <a:rPr lang="en-US" dirty="0"/>
+              <a:t>Then  also thanks </a:t>
+            </a:r>
+            <a:r>
+              <a:rPr lang="en-US" dirty="0" smtClean="0"/>
+              <a:t>to U </a:t>
+            </a:r>
+            <a:r>
+              <a:rPr lang="en-US" dirty="0"/>
+              <a:t>Ravi </a:t>
+            </a:r>
+            <a:r>
+              <a:rPr lang="en-US" dirty="0" err="1" smtClean="0"/>
+              <a:t>Chhabra</a:t>
+            </a:r>
+            <a:r>
+              <a:rPr lang="en-US" dirty="0" smtClean="0"/>
+              <a:t> , </a:t>
+            </a:r>
+            <a:r>
+              <a:rPr lang="en-US" dirty="0"/>
+              <a:t>GEO </a:t>
+            </a:r>
+            <a:r>
+              <a:rPr lang="en-US" dirty="0" err="1"/>
+              <a:t>Mandalar</a:t>
+            </a:r>
+            <a:r>
+              <a:rPr lang="en-US" dirty="0"/>
+              <a:t> </a:t>
+            </a:r>
+            <a:r>
+              <a:rPr lang="en-US" dirty="0" err="1"/>
+              <a:t>Co.Ltd</a:t>
+            </a:r>
+            <a:r>
+              <a:rPr lang="en-US" dirty="0"/>
+              <a:t> ,for his trust to give us such a heavy responsibility  project.</a:t>
+            </a:r>
+          </a:p>
+          <a:p>
+            <a:pPr marL="457200" lvl="1" indent="0">
+              <a:buNone/>
+            </a:pPr>
+            <a:r>
+              <a:rPr lang="en-US" sz="2000" b="1" dirty="0"/>
+              <a:t>	</a:t>
+            </a:r>
+          </a:p>
+          <a:p>
+            <a:endParaRPr lang="en-US" dirty="0"/>
+          </a:p>
+        </p:txBody>
+      </p:sp>
+    </p:spTree>
+    <p:extLst>
+      <p:ext uri="{BB962C8B-B14F-4D97-AF65-F5344CB8AC3E}">
+        <p14:creationId xmlns:p14="http://schemas.microsoft.com/office/powerpoint/2010/main" val="2387348602"/>
+      </p:ext>
+    </p:extLst>
+  </p:cSld>
+  <p:clrMapOvr>
+    <a:masterClrMapping/>
+  </p:clrMapOvr>
+</p:sld>
+</file>
+
+<file path=ppt/slides/slide4.xml><?xml version="1.0" encoding="utf-8"?>
+<p:sld xmlns:a="http://schemas.openxmlformats.org/drawingml/2006/main" xmlns:r="http://schemas.openxmlformats.org/officeDocument/2006/relationships" xmlns:p="http://schemas.openxmlformats.org/presentationml/2006/main">
+  <p:cSld>
+    <p:spTree>
+      <p:nvGrpSpPr>
+        <p:cNvPr id="1" name=""/>
+        <p:cNvGrpSpPr/>
+        <p:nvPr/>
+      </p:nvGrpSpPr>
+      <p:grpSpPr>
+        <a:xfrm>
+          <a:off x="0" y="0"/>
+          <a:ext cx="0" cy="0"/>
+          <a:chOff x="0" y="0"/>
+          <a:chExt cx="0" cy="0"/>
+        </a:xfrm>
+      </p:grpSpPr>
+      <p:sp>
+        <p:nvSpPr>
+          <p:cNvPr id="2" name="Title 1"/>
+          <p:cNvSpPr>
+            <a:spLocks noGrp="1"/>
+          </p:cNvSpPr>
+          <p:nvPr>
+            <p:ph type="title"/>
+          </p:nvPr>
+        </p:nvSpPr>
+        <p:spPr/>
+        <p:txBody>
+          <a:bodyPr/>
+          <a:lstStyle/>
+          <a:p>
+            <a:r>
+              <a:rPr lang="en-US" dirty="0"/>
+              <a:t>Abstract</a:t>
+            </a:r>
+          </a:p>
+        </p:txBody>
+      </p:sp>
+      <p:sp>
+        <p:nvSpPr>
+          <p:cNvPr id="3" name="Content Placeholder 2"/>
+          <p:cNvSpPr>
+            <a:spLocks noGrp="1"/>
+          </p:cNvSpPr>
+          <p:nvPr>
+            <p:ph idx="1"/>
+          </p:nvPr>
+        </p:nvSpPr>
+        <p:spPr/>
+        <p:txBody>
+          <a:bodyPr>
+            <a:normAutofit fontScale="70000" lnSpcReduction="20000"/>
+          </a:bodyPr>
+          <a:lstStyle/>
+          <a:p>
+            <a:r>
+              <a:rPr lang="en-US" sz="1900" dirty="0"/>
+              <a:t>Electronic Thesis and Dissertation System is a work submitted in support of candidature for a  doctorate or master’ a degree.</a:t>
+            </a:r>
+          </a:p>
+          <a:p>
+            <a:r>
+              <a:rPr lang="en-US" sz="1900" dirty="0"/>
+              <a:t>Electronic versions of theses and dissertations are called ETDs.</a:t>
+            </a:r>
+          </a:p>
+          <a:p>
+            <a:r>
+              <a:rPr lang="en-US" sz="1900" dirty="0"/>
+              <a:t>This system is kind  of Educational website.</a:t>
+            </a:r>
+          </a:p>
+          <a:p>
+            <a:r>
+              <a:rPr lang="en-US" sz="1900" dirty="0"/>
+              <a:t>In our system , users can search theses and dissertations of CU(MDY)by Tear , and can see abstract of the thesis, author  name.</a:t>
+            </a:r>
+          </a:p>
+          <a:p>
+            <a:r>
+              <a:rPr lang="en-US" sz="1900" dirty="0"/>
+              <a:t>Users can also search </a:t>
+            </a:r>
+            <a:r>
+              <a:rPr lang="en-US" sz="1900" dirty="0" smtClean="0"/>
+              <a:t>books </a:t>
+            </a:r>
+            <a:r>
+              <a:rPr lang="en-US" sz="1900" dirty="0"/>
+              <a:t>and theses of </a:t>
+            </a:r>
+            <a:r>
+              <a:rPr lang="en-US" sz="1900" dirty="0" err="1"/>
+              <a:t>otago</a:t>
+            </a:r>
+            <a:r>
+              <a:rPr lang="en-US" sz="1900" dirty="0"/>
+              <a:t> university and Global ETD for more references</a:t>
+            </a:r>
+            <a:r>
+              <a:rPr lang="en-US" sz="1900" dirty="0" smtClean="0"/>
+              <a:t>.</a:t>
+            </a:r>
+          </a:p>
+          <a:p>
+            <a:r>
+              <a:rPr lang="en-US" sz="1900" dirty="0" smtClean="0"/>
+              <a:t>For  Admin Panel ,  admins can insert data into database , delete data and retrieve data for database.</a:t>
+            </a:r>
+          </a:p>
+          <a:p>
+            <a:r>
+              <a:rPr lang="en-US" sz="1900" dirty="0" smtClean="0"/>
+              <a:t>Users can use our system with both smart phones and computer.</a:t>
+            </a:r>
+            <a:endParaRPr lang="en-US" sz="1900" dirty="0"/>
+          </a:p>
+          <a:p>
+            <a:r>
+              <a:rPr lang="en-US" sz="1900" dirty="0"/>
+              <a:t>For Front End , the system was implemented using material design(HTML,CSS).</a:t>
+            </a:r>
+          </a:p>
+          <a:p>
+            <a:r>
+              <a:rPr lang="en-US" sz="1900" dirty="0"/>
+              <a:t>For Back End , the system was implemented using </a:t>
+            </a:r>
+            <a:r>
+              <a:rPr lang="en-US" sz="1900" dirty="0" err="1"/>
+              <a:t>javascript</a:t>
+            </a:r>
+            <a:r>
+              <a:rPr lang="en-US" sz="1900" dirty="0"/>
+              <a:t> and jQuery.</a:t>
+            </a:r>
+          </a:p>
+          <a:p>
+            <a:r>
+              <a:rPr lang="en-US" sz="1900" dirty="0"/>
+              <a:t>And we also used Firebase Hosting and Database.</a:t>
+            </a:r>
+          </a:p>
+          <a:p>
+            <a:endParaRPr lang="en-US" dirty="0"/>
+          </a:p>
+        </p:txBody>
+      </p:sp>
+    </p:spTree>
+    <p:extLst>
+      <p:ext uri="{BB962C8B-B14F-4D97-AF65-F5344CB8AC3E}">
+        <p14:creationId xmlns:p14="http://schemas.microsoft.com/office/powerpoint/2010/main" val="666928469"/>
+      </p:ext>
+    </p:extLst>
+  </p:cSld>
+  <p:clrMapOvr>
+    <a:masterClrMapping/>
+  </p:clrMapOvr>
+</p:sld>
+</file>
+
+<file path=ppt/slides/slide5.xml><?xml version="1.0" encoding="utf-8"?>
+<p:sld xmlns:a="http://schemas.openxmlformats.org/drawingml/2006/main" xmlns:r="http://schemas.openxmlformats.org/officeDocument/2006/relationships" xmlns:p="http://schemas.openxmlformats.org/presentationml/2006/main">
+  <p:cSld>
+    <p:spTree>
+      <p:nvGrpSpPr>
+        <p:cNvPr id="1" name=""/>
+        <p:cNvGrpSpPr/>
+        <p:nvPr/>
+      </p:nvGrpSpPr>
+      <p:grpSpPr>
+        <a:xfrm>
+          <a:off x="0" y="0"/>
+          <a:ext cx="0" cy="0"/>
+          <a:chOff x="0" y="0"/>
+          <a:chExt cx="0" cy="0"/>
+        </a:xfrm>
+      </p:grpSpPr>
+      <p:sp>
+        <p:nvSpPr>
+          <p:cNvPr id="2" name="Title 1"/>
+          <p:cNvSpPr>
+            <a:spLocks noGrp="1"/>
+          </p:cNvSpPr>
+          <p:nvPr>
+            <p:ph type="title"/>
+          </p:nvPr>
+        </p:nvSpPr>
+        <p:spPr/>
+        <p:txBody>
+          <a:bodyPr/>
+          <a:lstStyle/>
+          <a:p>
+            <a:r>
+              <a:rPr lang="en-US" dirty="0"/>
+              <a:t>Objectives</a:t>
+            </a:r>
+          </a:p>
+        </p:txBody>
+      </p:sp>
+      <p:sp>
+        <p:nvSpPr>
+          <p:cNvPr id="3" name="Content Placeholder 2"/>
+          <p:cNvSpPr>
+            <a:spLocks noGrp="1"/>
+          </p:cNvSpPr>
+          <p:nvPr>
+            <p:ph idx="1"/>
+          </p:nvPr>
+        </p:nvSpPr>
+        <p:spPr/>
+        <p:txBody>
+          <a:bodyPr/>
+          <a:lstStyle/>
+          <a:p>
+            <a:r>
+              <a:rPr lang="en-US" dirty="0"/>
+              <a:t>To save time</a:t>
+            </a:r>
+          </a:p>
+          <a:p>
+            <a:r>
+              <a:rPr lang="en-US" dirty="0"/>
+              <a:t>Helping students be better prepared as knowledge workers</a:t>
+            </a:r>
+          </a:p>
+          <a:p>
+            <a:r>
+              <a:rPr lang="en-US" dirty="0"/>
+              <a:t>To develop university digital </a:t>
+            </a:r>
+            <a:r>
+              <a:rPr lang="en-US" dirty="0" err="1"/>
+              <a:t>llibrary</a:t>
+            </a:r>
+            <a:r>
+              <a:rPr lang="en-US" dirty="0"/>
+              <a:t> services and </a:t>
+            </a:r>
+            <a:r>
+              <a:rPr lang="en-US" dirty="0" err="1"/>
+              <a:t>infrasture</a:t>
+            </a:r>
+            <a:endParaRPr lang="en-US" dirty="0"/>
+          </a:p>
+          <a:p>
+            <a:r>
+              <a:rPr lang="en-US" dirty="0"/>
+              <a:t>Increasing sharing and collaboration among university and students</a:t>
+            </a:r>
+          </a:p>
+          <a:p>
+            <a:r>
+              <a:rPr lang="en-US" dirty="0"/>
+              <a:t>Enhancing access to university research</a:t>
+            </a:r>
+          </a:p>
+          <a:p>
+            <a:endParaRPr lang="en-US" dirty="0"/>
+          </a:p>
+        </p:txBody>
+      </p:sp>
+    </p:spTree>
+    <p:extLst>
+      <p:ext uri="{BB962C8B-B14F-4D97-AF65-F5344CB8AC3E}">
+        <p14:creationId xmlns:p14="http://schemas.microsoft.com/office/powerpoint/2010/main" val="271712334"/>
+      </p:ext>
+    </p:extLst>
+  </p:cSld>
+  <p:clrMapOvr>
+    <a:masterClrMapping/>
+  </p:clrMapOvr>
+</p:sld>
+</file>
+
+<file path=ppt/slides/slide6.xml><?xml version="1.0" encoding="utf-8"?>
+<p:sld xmlns:a="http://schemas.openxmlformats.org/drawingml/2006/main" xmlns:r="http://schemas.openxmlformats.org/officeDocument/2006/relationships" xmlns:p="http://schemas.openxmlformats.org/presentationml/2006/main">
+  <p:cSld>
+    <p:spTree>
+      <p:nvGrpSpPr>
+        <p:cNvPr id="1" name=""/>
+        <p:cNvGrpSpPr/>
+        <p:nvPr/>
+      </p:nvGrpSpPr>
+      <p:grpSpPr>
+        <a:xfrm>
+          <a:off x="0" y="0"/>
+          <a:ext cx="0" cy="0"/>
+          <a:chOff x="0" y="0"/>
+          <a:chExt cx="0" cy="0"/>
+        </a:xfrm>
+      </p:grpSpPr>
+      <p:sp>
+        <p:nvSpPr>
+          <p:cNvPr id="2" name="Title 1"/>
+          <p:cNvSpPr>
+            <a:spLocks noGrp="1"/>
+          </p:cNvSpPr>
+          <p:nvPr>
+            <p:ph type="title"/>
+          </p:nvPr>
+        </p:nvSpPr>
+        <p:spPr/>
+        <p:txBody>
+          <a:bodyPr/>
+          <a:lstStyle/>
+          <a:p>
+            <a:r>
+              <a:rPr lang="en-US" dirty="0"/>
+              <a:t>Introduction of Electronic Thesis and Dissertation</a:t>
+            </a:r>
+          </a:p>
+        </p:txBody>
+      </p:sp>
+      <p:sp>
+        <p:nvSpPr>
+          <p:cNvPr id="3" name="Content Placeholder 2"/>
+          <p:cNvSpPr>
+            <a:spLocks noGrp="1"/>
+          </p:cNvSpPr>
+          <p:nvPr>
+            <p:ph idx="1"/>
+          </p:nvPr>
+        </p:nvSpPr>
+        <p:spPr/>
+        <p:txBody>
+          <a:bodyPr>
+            <a:normAutofit/>
+          </a:bodyPr>
+          <a:lstStyle/>
+          <a:p>
+            <a:r>
+              <a:rPr lang="en-US" dirty="0"/>
+              <a:t>Electronic Thesis and Dissertation will involve </a:t>
+            </a:r>
+            <a:r>
+              <a:rPr lang="en-US" dirty="0" smtClean="0"/>
+              <a:t>two </a:t>
+            </a:r>
+            <a:r>
+              <a:rPr lang="en-US" dirty="0" err="1" smtClean="0"/>
+              <a:t>stateholders</a:t>
+            </a:r>
+            <a:r>
+              <a:rPr lang="en-US" dirty="0" smtClean="0"/>
+              <a:t> (Admin , User).</a:t>
+            </a:r>
+          </a:p>
+          <a:p>
+            <a:r>
+              <a:rPr lang="en-US" dirty="0" smtClean="0"/>
+              <a:t>In our system , users can search theses with their abstracts from 2008 to 2016.</a:t>
+            </a:r>
+          </a:p>
+          <a:p>
+            <a:r>
+              <a:rPr lang="en-US" dirty="0" smtClean="0"/>
+              <a:t>In our project , users can also search theses reference books and global theses and dissertations from other universities around the world for various fields and major.</a:t>
+            </a:r>
+          </a:p>
+          <a:p>
+            <a:r>
+              <a:rPr lang="en-US" dirty="0"/>
+              <a:t>For  Admin Panel ,  admins can insert data into database , delete data and retrieve data for database.</a:t>
+            </a:r>
+          </a:p>
+          <a:p>
+            <a:r>
+              <a:rPr lang="en-US" dirty="0" smtClean="0"/>
+              <a:t>The aims of our project is to save time and energy , to reduce paper works and familiar with electronic library.</a:t>
+            </a:r>
+            <a:endParaRPr lang="en-US" dirty="0"/>
+          </a:p>
+          <a:p>
+            <a:endParaRPr lang="en-US" dirty="0"/>
+          </a:p>
+        </p:txBody>
+      </p:sp>
+    </p:spTree>
+    <p:extLst>
+      <p:ext uri="{BB962C8B-B14F-4D97-AF65-F5344CB8AC3E}">
+        <p14:creationId xmlns:p14="http://schemas.microsoft.com/office/powerpoint/2010/main" val="528883258"/>
+      </p:ext>
+    </p:extLst>
+  </p:cSld>
+  <p:clrMapOvr>
+    <a:masterClrMapping/>
+  </p:clrMapOvr>
+</p:sld>
+</file>
+
+<file path=ppt/slides/slide7.xml><?xml version="1.0" encoding="utf-8"?>
+<p:sld xmlns:a="http://schemas.openxmlformats.org/drawingml/2006/main" xmlns:r="http://schemas.openxmlformats.org/officeDocument/2006/relationships" xmlns:p="http://schemas.openxmlformats.org/presentationml/2006/main">
+  <p:cSld>
+    <p:spTree>
+      <p:nvGrpSpPr>
+        <p:cNvPr id="1" name=""/>
+        <p:cNvGrpSpPr/>
+        <p:nvPr/>
+      </p:nvGrpSpPr>
+      <p:grpSpPr>
+        <a:xfrm>
+          <a:off x="0" y="0"/>
+          <a:ext cx="0" cy="0"/>
+          <a:chOff x="0" y="0"/>
+          <a:chExt cx="0" cy="0"/>
+        </a:xfrm>
+      </p:grpSpPr>
+      <p:sp>
+        <p:nvSpPr>
+          <p:cNvPr id="2" name="Title 1"/>
+          <p:cNvSpPr>
+            <a:spLocks noGrp="1"/>
+          </p:cNvSpPr>
+          <p:nvPr>
+            <p:ph type="title"/>
+          </p:nvPr>
+        </p:nvSpPr>
+        <p:spPr/>
+        <p:txBody>
+          <a:bodyPr/>
+          <a:lstStyle/>
+          <a:p>
+            <a:r>
+              <a:rPr lang="en-US" dirty="0" smtClean="0"/>
+              <a:t>Background</a:t>
+            </a:r>
+            <a:endParaRPr lang="en-US" dirty="0"/>
+          </a:p>
+        </p:txBody>
+      </p:sp>
+      <p:sp>
+        <p:nvSpPr>
+          <p:cNvPr id="3" name="Content Placeholder 2"/>
+          <p:cNvSpPr>
+            <a:spLocks noGrp="1"/>
+          </p:cNvSpPr>
+          <p:nvPr>
+            <p:ph idx="1"/>
+          </p:nvPr>
+        </p:nvSpPr>
+        <p:spPr/>
+        <p:txBody>
+          <a:bodyPr/>
+          <a:lstStyle/>
+          <a:p>
+            <a:r>
+              <a:rPr lang="en-US" dirty="0" smtClean="0"/>
+              <a:t>Our Software Company has received</a:t>
+            </a:r>
+          </a:p>
+          <a:p>
+            <a:r>
+              <a:rPr lang="en-US" dirty="0" smtClean="0"/>
+              <a:t>Moreover , we want to know the profit and loss of our system.</a:t>
+            </a:r>
+          </a:p>
+          <a:p>
+            <a:r>
+              <a:rPr lang="en-US" dirty="0" smtClean="0"/>
+              <a:t>So there are many processes to develop manual system and it may be more cost ant time waste . So we decide to develop our system to reduce the problem.</a:t>
+            </a:r>
+            <a:endParaRPr lang="en-US" dirty="0"/>
+          </a:p>
+        </p:txBody>
+      </p:sp>
+    </p:spTree>
+    <p:extLst>
+      <p:ext uri="{BB962C8B-B14F-4D97-AF65-F5344CB8AC3E}">
+        <p14:creationId xmlns:p14="http://schemas.microsoft.com/office/powerpoint/2010/main" val="2345461699"/>
+      </p:ext>
+    </p:extLst>
+  </p:cSld>
+  <p:clrMapOvr>
+    <a:masterClrMapping/>
+  </p:clrMapOvr>
+</p:sld>
+</file>
+
+<file path=ppt/slides/slide8.xml><?xml version="1.0" encoding="utf-8"?>
 <p:sld xmlns:a="http://schemas.openxmlformats.org/drawingml/2006/main" xmlns:r="http://schemas.openxmlformats.org/officeDocument/2006/relationships" xmlns:p="http://schemas.openxmlformats.org/presentationml/2006/main">
   <p:cSld>
     <p:bg>
@@ -7953,8 +9108,8 @@
         </p:nvSpPr>
         <p:spPr>
           <a:xfrm>
-            <a:off x="2370666" y="172555"/>
-            <a:ext cx="8704968" cy="798290"/>
+            <a:off x="2167467" y="82243"/>
+            <a:ext cx="8953323" cy="707979"/>
           </a:xfrm>
         </p:spPr>
         <p:txBody>
@@ -7963,7 +9118,7 @@
           <a:p>
             <a:r>
               <a:rPr lang="en-US" dirty="0" smtClean="0"/>
-              <a:t>Sequence Diagram For ETD</a:t>
+              <a:t>Flowchart Diagram For Admin</a:t>
             </a:r>
             <a:endParaRPr lang="en-US" dirty="0"/>
           </a:p>
@@ -7971,7 +9126,7 @@
       </p:sp>
       <p:pic>
         <p:nvPicPr>
-          <p:cNvPr id="4" name="Content Placeholder 3"/>
+          <p:cNvPr id="4" name="Content Placeholder 3" descr="C:\Users\ACER\Documentation\uml\FlowChart for admin.png"/>
           <p:cNvPicPr>
             <a:picLocks noGrp="1"/>
           </p:cNvPicPr>
@@ -7987,1237 +9142,29 @@
               </a:ext>
             </a:extLst>
           </a:blip>
+          <a:srcRect/>
           <a:stretch>
             <a:fillRect/>
           </a:stretch>
         </p:blipFill>
-        <p:spPr>
+        <p:spPr bwMode="auto">
           <a:xfrm>
-            <a:off x="3328988" y="1185863"/>
-            <a:ext cx="5486400" cy="5672137"/>
+            <a:off x="2167467" y="790223"/>
+            <a:ext cx="6897511" cy="5988756"/>
           </a:xfrm>
           <a:prstGeom prst="rect">
             <a:avLst/>
           </a:prstGeom>
+          <a:noFill/>
+          <a:ln>
+            <a:noFill/>
+          </a:ln>
         </p:spPr>
       </p:pic>
     </p:spTree>
     <p:extLst>
       <p:ext uri="{BB962C8B-B14F-4D97-AF65-F5344CB8AC3E}">
-        <p14:creationId xmlns:p14="http://schemas.microsoft.com/office/powerpoint/2010/main" val="2913215668"/>
-      </p:ext>
-    </p:extLst>
-  </p:cSld>
-  <p:clrMapOvr>
-    <a:masterClrMapping/>
-  </p:clrMapOvr>
-</p:sld>
-</file>
-
-<file path=ppt/slides/slide13.xml><?xml version="1.0" encoding="utf-8"?>
-<p:sld xmlns:a="http://schemas.openxmlformats.org/drawingml/2006/main" xmlns:r="http://schemas.openxmlformats.org/officeDocument/2006/relationships" xmlns:p="http://schemas.openxmlformats.org/presentationml/2006/main">
-  <p:cSld>
-    <p:spTree>
-      <p:nvGrpSpPr>
-        <p:cNvPr id="1" name=""/>
-        <p:cNvGrpSpPr/>
-        <p:nvPr/>
-      </p:nvGrpSpPr>
-      <p:grpSpPr>
-        <a:xfrm>
-          <a:off x="0" y="0"/>
-          <a:ext cx="0" cy="0"/>
-          <a:chOff x="0" y="0"/>
-          <a:chExt cx="0" cy="0"/>
-        </a:xfrm>
-      </p:grpSpPr>
-      <p:sp>
-        <p:nvSpPr>
-          <p:cNvPr id="2" name="Title 1"/>
-          <p:cNvSpPr>
-            <a:spLocks noGrp="1"/>
-          </p:cNvSpPr>
-          <p:nvPr>
-            <p:ph type="title"/>
-          </p:nvPr>
-        </p:nvSpPr>
-        <p:spPr/>
-        <p:txBody>
-          <a:bodyPr/>
-          <a:lstStyle/>
-          <a:p>
-            <a:r>
-              <a:rPr lang="en-US" dirty="0" err="1" smtClean="0"/>
-              <a:t>Minestones</a:t>
-            </a:r>
-            <a:r>
-              <a:rPr lang="en-US" dirty="0" smtClean="0"/>
-              <a:t> and job distribution</a:t>
-            </a:r>
-            <a:endParaRPr lang="en-US" dirty="0"/>
-          </a:p>
-        </p:txBody>
-      </p:sp>
-      <p:sp>
-        <p:nvSpPr>
-          <p:cNvPr id="3" name="Content Placeholder 2"/>
-          <p:cNvSpPr>
-            <a:spLocks noGrp="1"/>
-          </p:cNvSpPr>
-          <p:nvPr>
-            <p:ph idx="1"/>
-          </p:nvPr>
-        </p:nvSpPr>
-        <p:spPr/>
-        <p:txBody>
-          <a:bodyPr/>
-          <a:lstStyle/>
-          <a:p>
-            <a:endParaRPr lang="en-US"/>
-          </a:p>
-        </p:txBody>
-      </p:sp>
-    </p:spTree>
-    <p:extLst>
-      <p:ext uri="{BB962C8B-B14F-4D97-AF65-F5344CB8AC3E}">
-        <p14:creationId xmlns:p14="http://schemas.microsoft.com/office/powerpoint/2010/main" val="3967389016"/>
-      </p:ext>
-    </p:extLst>
-  </p:cSld>
-  <p:clrMapOvr>
-    <a:masterClrMapping/>
-  </p:clrMapOvr>
-</p:sld>
-</file>
-
-<file path=ppt/slides/slide14.xml><?xml version="1.0" encoding="utf-8"?>
-<p:sld xmlns:a="http://schemas.openxmlformats.org/drawingml/2006/main" xmlns:r="http://schemas.openxmlformats.org/officeDocument/2006/relationships" xmlns:p="http://schemas.openxmlformats.org/presentationml/2006/main">
-  <p:cSld>
-    <p:spTree>
-      <p:nvGrpSpPr>
-        <p:cNvPr id="1" name=""/>
-        <p:cNvGrpSpPr/>
-        <p:nvPr/>
-      </p:nvGrpSpPr>
-      <p:grpSpPr>
-        <a:xfrm>
-          <a:off x="0" y="0"/>
-          <a:ext cx="0" cy="0"/>
-          <a:chOff x="0" y="0"/>
-          <a:chExt cx="0" cy="0"/>
-        </a:xfrm>
-      </p:grpSpPr>
-      <p:sp>
-        <p:nvSpPr>
-          <p:cNvPr id="2" name="Title 1"/>
-          <p:cNvSpPr>
-            <a:spLocks noGrp="1"/>
-          </p:cNvSpPr>
-          <p:nvPr>
-            <p:ph type="title"/>
-          </p:nvPr>
-        </p:nvSpPr>
-        <p:spPr/>
-        <p:txBody>
-          <a:bodyPr/>
-          <a:lstStyle/>
-          <a:p>
-            <a:r>
-              <a:rPr lang="en-US" dirty="0" smtClean="0"/>
-              <a:t>Conclusion</a:t>
-            </a:r>
-            <a:endParaRPr lang="en-US" dirty="0"/>
-          </a:p>
-        </p:txBody>
-      </p:sp>
-      <p:sp>
-        <p:nvSpPr>
-          <p:cNvPr id="3" name="Content Placeholder 2"/>
-          <p:cNvSpPr>
-            <a:spLocks noGrp="1"/>
-          </p:cNvSpPr>
-          <p:nvPr>
-            <p:ph idx="1"/>
-          </p:nvPr>
-        </p:nvSpPr>
-        <p:spPr/>
-        <p:txBody>
-          <a:bodyPr/>
-          <a:lstStyle/>
-          <a:p>
-            <a:pPr marL="0" indent="0">
-              <a:buNone/>
-            </a:pPr>
-            <a:endParaRPr lang="en-US" dirty="0" smtClean="0"/>
-          </a:p>
-        </p:txBody>
-      </p:sp>
-    </p:spTree>
-    <p:extLst>
-      <p:ext uri="{BB962C8B-B14F-4D97-AF65-F5344CB8AC3E}">
-        <p14:creationId xmlns:p14="http://schemas.microsoft.com/office/powerpoint/2010/main" val="1796529889"/>
-      </p:ext>
-    </p:extLst>
-  </p:cSld>
-  <p:clrMapOvr>
-    <a:masterClrMapping/>
-  </p:clrMapOvr>
-</p:sld>
-</file>
-
-<file path=ppt/slides/slide15.xml><?xml version="1.0" encoding="utf-8"?>
-<p:sld xmlns:a="http://schemas.openxmlformats.org/drawingml/2006/main" xmlns:r="http://schemas.openxmlformats.org/officeDocument/2006/relationships" xmlns:p="http://schemas.openxmlformats.org/presentationml/2006/main">
-  <p:cSld>
-    <p:spTree>
-      <p:nvGrpSpPr>
-        <p:cNvPr id="1" name=""/>
-        <p:cNvGrpSpPr/>
-        <p:nvPr/>
-      </p:nvGrpSpPr>
-      <p:grpSpPr>
-        <a:xfrm>
-          <a:off x="0" y="0"/>
-          <a:ext cx="0" cy="0"/>
-          <a:chOff x="0" y="0"/>
-          <a:chExt cx="0" cy="0"/>
-        </a:xfrm>
-      </p:grpSpPr>
-      <p:sp>
-        <p:nvSpPr>
-          <p:cNvPr id="2" name="Title 1"/>
-          <p:cNvSpPr>
-            <a:spLocks noGrp="1"/>
-          </p:cNvSpPr>
-          <p:nvPr>
-            <p:ph type="title"/>
-          </p:nvPr>
-        </p:nvSpPr>
-        <p:spPr>
-          <a:xfrm>
-            <a:off x="3217333" y="2768998"/>
-            <a:ext cx="8772701" cy="843446"/>
-          </a:xfrm>
-        </p:spPr>
-        <p:txBody>
-          <a:bodyPr/>
-          <a:lstStyle/>
-          <a:p>
-            <a:r>
-              <a:rPr lang="en-US" dirty="0" smtClean="0"/>
-              <a:t>Thanks For Your Attention!</a:t>
-            </a:r>
-            <a:endParaRPr lang="en-US" dirty="0"/>
-          </a:p>
-        </p:txBody>
-      </p:sp>
-    </p:spTree>
-    <p:extLst>
-      <p:ext uri="{BB962C8B-B14F-4D97-AF65-F5344CB8AC3E}">
-        <p14:creationId xmlns:p14="http://schemas.microsoft.com/office/powerpoint/2010/main" val="317149102"/>
-      </p:ext>
-    </p:extLst>
-  </p:cSld>
-  <p:clrMapOvr>
-    <a:masterClrMapping/>
-  </p:clrMapOvr>
-</p:sld>
-</file>
-
-<file path=ppt/slides/slide2.xml><?xml version="1.0" encoding="utf-8"?>
-<p:sld xmlns:a="http://schemas.openxmlformats.org/drawingml/2006/main" xmlns:r="http://schemas.openxmlformats.org/officeDocument/2006/relationships" xmlns:p="http://schemas.openxmlformats.org/presentationml/2006/main">
-  <p:cSld>
-    <p:spTree>
-      <p:nvGrpSpPr>
-        <p:cNvPr id="1" name=""/>
-        <p:cNvGrpSpPr/>
-        <p:nvPr/>
-      </p:nvGrpSpPr>
-      <p:grpSpPr>
-        <a:xfrm>
-          <a:off x="0" y="0"/>
-          <a:ext cx="0" cy="0"/>
-          <a:chOff x="0" y="0"/>
-          <a:chExt cx="0" cy="0"/>
-        </a:xfrm>
-      </p:grpSpPr>
-      <p:sp>
-        <p:nvSpPr>
-          <p:cNvPr id="2" name="Title 1"/>
-          <p:cNvSpPr>
-            <a:spLocks noGrp="1"/>
-          </p:cNvSpPr>
-          <p:nvPr>
-            <p:ph type="title"/>
-          </p:nvPr>
-        </p:nvSpPr>
-        <p:spPr/>
-        <p:txBody>
-          <a:bodyPr/>
-          <a:lstStyle/>
-          <a:p>
-            <a:r>
-              <a:rPr lang="en-US" dirty="0"/>
-              <a:t>Supervisor-Dr. </a:t>
-            </a:r>
-            <a:r>
-              <a:rPr lang="en-US" dirty="0" err="1"/>
-              <a:t>Ei</a:t>
-            </a:r>
-            <a:r>
-              <a:rPr lang="en-US" dirty="0"/>
-              <a:t> </a:t>
-            </a:r>
-            <a:r>
-              <a:rPr lang="en-US" dirty="0" err="1"/>
-              <a:t>Ei</a:t>
-            </a:r>
-            <a:r>
-              <a:rPr lang="en-US" dirty="0"/>
-              <a:t> Mon</a:t>
-            </a:r>
-          </a:p>
-        </p:txBody>
-      </p:sp>
-      <p:sp>
-        <p:nvSpPr>
-          <p:cNvPr id="3" name="Content Placeholder 2"/>
-          <p:cNvSpPr>
-            <a:spLocks noGrp="1"/>
-          </p:cNvSpPr>
-          <p:nvPr>
-            <p:ph idx="1"/>
-          </p:nvPr>
-        </p:nvSpPr>
-        <p:spPr/>
-        <p:txBody>
-          <a:bodyPr/>
-          <a:lstStyle/>
-          <a:p>
-            <a:pPr marL="0" indent="0">
-              <a:buNone/>
-            </a:pPr>
-            <a:r>
-              <a:rPr lang="en-US" sz="2000" dirty="0"/>
-              <a:t>Present By</a:t>
-            </a:r>
-          </a:p>
-          <a:p>
-            <a:r>
-              <a:rPr lang="en-US" dirty="0"/>
-              <a:t>	Ma </a:t>
-            </a:r>
-            <a:r>
-              <a:rPr lang="en-US" dirty="0" err="1"/>
-              <a:t>Ei</a:t>
-            </a:r>
-            <a:r>
-              <a:rPr lang="en-US" dirty="0"/>
-              <a:t> Po </a:t>
-            </a:r>
-            <a:r>
-              <a:rPr lang="en-US" dirty="0" err="1"/>
-              <a:t>Po</a:t>
-            </a:r>
-            <a:r>
-              <a:rPr lang="en-US" dirty="0"/>
-              <a:t> </a:t>
-            </a:r>
-            <a:r>
-              <a:rPr lang="en-US" dirty="0" err="1"/>
-              <a:t>Aung</a:t>
-            </a:r>
-            <a:endParaRPr lang="en-US" dirty="0"/>
-          </a:p>
-          <a:p>
-            <a:r>
-              <a:rPr lang="en-US" dirty="0"/>
-              <a:t>	Ma April Su</a:t>
-            </a:r>
-          </a:p>
-          <a:p>
-            <a:r>
-              <a:rPr lang="en-US" dirty="0"/>
-              <a:t>	Ma </a:t>
-            </a:r>
-            <a:r>
-              <a:rPr lang="en-US" dirty="0" err="1"/>
-              <a:t>Myo</a:t>
-            </a:r>
-            <a:r>
-              <a:rPr lang="en-US" dirty="0"/>
-              <a:t> </a:t>
-            </a:r>
-            <a:r>
-              <a:rPr lang="en-US" dirty="0" err="1"/>
-              <a:t>Myo</a:t>
-            </a:r>
-            <a:endParaRPr lang="en-US" dirty="0"/>
-          </a:p>
-          <a:p>
-            <a:r>
-              <a:rPr lang="en-US" dirty="0"/>
-              <a:t>	Ma </a:t>
-            </a:r>
-            <a:r>
-              <a:rPr lang="en-US" dirty="0" err="1"/>
-              <a:t>Htet</a:t>
-            </a:r>
-            <a:r>
-              <a:rPr lang="en-US" dirty="0"/>
-              <a:t> </a:t>
-            </a:r>
-            <a:r>
-              <a:rPr lang="en-US" dirty="0" err="1"/>
-              <a:t>Htet</a:t>
-            </a:r>
-            <a:r>
-              <a:rPr lang="en-US" dirty="0"/>
-              <a:t> </a:t>
-            </a:r>
-            <a:r>
-              <a:rPr lang="en-US" dirty="0" err="1"/>
-              <a:t>Htun</a:t>
-            </a:r>
-            <a:endParaRPr lang="en-US" dirty="0"/>
-          </a:p>
-          <a:p>
-            <a:r>
-              <a:rPr lang="en-US" dirty="0"/>
-              <a:t>	Ma Su Sandi </a:t>
-            </a:r>
-            <a:r>
-              <a:rPr lang="en-US" dirty="0" err="1"/>
-              <a:t>Myint</a:t>
-            </a:r>
-            <a:r>
-              <a:rPr lang="en-US" dirty="0"/>
-              <a:t> </a:t>
-            </a:r>
-            <a:r>
-              <a:rPr lang="en-US" dirty="0" err="1"/>
-              <a:t>Naing</a:t>
-            </a:r>
-            <a:endParaRPr lang="en-US" dirty="0"/>
-          </a:p>
-          <a:p>
-            <a:r>
-              <a:rPr lang="en-US" dirty="0"/>
-              <a:t>	Ma Shun Lei </a:t>
-            </a:r>
-            <a:r>
-              <a:rPr lang="en-US" dirty="0" err="1"/>
-              <a:t>Nadi</a:t>
-            </a:r>
-            <a:r>
-              <a:rPr lang="en-US" dirty="0"/>
-              <a:t> Moe</a:t>
-            </a:r>
-          </a:p>
-          <a:p>
-            <a:endParaRPr lang="en-US" dirty="0"/>
-          </a:p>
-        </p:txBody>
-      </p:sp>
-    </p:spTree>
-    <p:extLst>
-      <p:ext uri="{BB962C8B-B14F-4D97-AF65-F5344CB8AC3E}">
-        <p14:creationId xmlns:p14="http://schemas.microsoft.com/office/powerpoint/2010/main" val="3631692783"/>
-      </p:ext>
-    </p:extLst>
-  </p:cSld>
-  <p:clrMapOvr>
-    <a:masterClrMapping/>
-  </p:clrMapOvr>
-</p:sld>
-</file>
-
-<file path=ppt/slides/slide3.xml><?xml version="1.0" encoding="utf-8"?>
-<p:sld xmlns:a="http://schemas.openxmlformats.org/drawingml/2006/main" xmlns:r="http://schemas.openxmlformats.org/officeDocument/2006/relationships" xmlns:p="http://schemas.openxmlformats.org/presentationml/2006/main">
-  <p:cSld>
-    <p:spTree>
-      <p:nvGrpSpPr>
-        <p:cNvPr id="1" name=""/>
-        <p:cNvGrpSpPr/>
-        <p:nvPr/>
-      </p:nvGrpSpPr>
-      <p:grpSpPr>
-        <a:xfrm>
-          <a:off x="0" y="0"/>
-          <a:ext cx="0" cy="0"/>
-          <a:chOff x="0" y="0"/>
-          <a:chExt cx="0" cy="0"/>
-        </a:xfrm>
-      </p:grpSpPr>
-      <p:sp>
-        <p:nvSpPr>
-          <p:cNvPr id="2" name="Title 1"/>
-          <p:cNvSpPr>
-            <a:spLocks noGrp="1"/>
-          </p:cNvSpPr>
-          <p:nvPr>
-            <p:ph type="title"/>
-          </p:nvPr>
-        </p:nvSpPr>
-        <p:spPr/>
-        <p:txBody>
-          <a:bodyPr/>
-          <a:lstStyle/>
-          <a:p>
-            <a:r>
-              <a:rPr lang="en-US" dirty="0"/>
-              <a:t>Words From Heard</a:t>
-            </a:r>
-          </a:p>
-        </p:txBody>
-      </p:sp>
-      <p:sp>
-        <p:nvSpPr>
-          <p:cNvPr id="3" name="Content Placeholder 2"/>
-          <p:cNvSpPr>
-            <a:spLocks noGrp="1"/>
-          </p:cNvSpPr>
-          <p:nvPr>
-            <p:ph idx="1"/>
-          </p:nvPr>
-        </p:nvSpPr>
-        <p:spPr/>
-        <p:txBody>
-          <a:bodyPr/>
-          <a:lstStyle/>
-          <a:p>
-            <a:r>
-              <a:rPr lang="en-US" dirty="0"/>
-              <a:t>We truly thank U </a:t>
-            </a:r>
-            <a:r>
-              <a:rPr lang="en-US" dirty="0" err="1"/>
-              <a:t>Kyaw</a:t>
-            </a:r>
-            <a:r>
-              <a:rPr lang="en-US" dirty="0"/>
-              <a:t> </a:t>
-            </a:r>
-            <a:r>
-              <a:rPr lang="en-US" dirty="0" err="1"/>
-              <a:t>Swar</a:t>
-            </a:r>
-            <a:r>
-              <a:rPr lang="en-US" dirty="0"/>
-              <a:t> </a:t>
-            </a:r>
-            <a:r>
-              <a:rPr lang="en-US" dirty="0" err="1"/>
-              <a:t>Soe</a:t>
-            </a:r>
-            <a:r>
-              <a:rPr lang="en-US" dirty="0"/>
-              <a:t> ,  Rector , </a:t>
-            </a:r>
-            <a:r>
-              <a:rPr lang="en-US" dirty="0" err="1"/>
-              <a:t>ComputerUniversity</a:t>
-            </a:r>
-            <a:r>
-              <a:rPr lang="en-US" dirty="0"/>
-              <a:t> (Mandalay) for his kind permission to send us internship Program.</a:t>
-            </a:r>
-          </a:p>
-          <a:p>
-            <a:endParaRPr lang="en-US" dirty="0"/>
-          </a:p>
-          <a:p>
-            <a:r>
-              <a:rPr lang="en-US" dirty="0"/>
-              <a:t>Then, We would like to express any special thanks to Dr. </a:t>
-            </a:r>
-            <a:r>
-              <a:rPr lang="en-US" dirty="0" err="1"/>
-              <a:t>Ei</a:t>
-            </a:r>
-            <a:r>
-              <a:rPr lang="en-US" dirty="0"/>
-              <a:t> </a:t>
-            </a:r>
-            <a:r>
-              <a:rPr lang="en-US" dirty="0" err="1"/>
-              <a:t>Ei</a:t>
-            </a:r>
-            <a:r>
-              <a:rPr lang="en-US" dirty="0"/>
-              <a:t> Mon,  Processor, Head of Software Department for her helpful recommendations and suggestions.</a:t>
-            </a:r>
-          </a:p>
-          <a:p>
-            <a:endParaRPr lang="en-US" dirty="0"/>
-          </a:p>
-          <a:p>
-            <a:r>
-              <a:rPr lang="en-US" dirty="0"/>
-              <a:t>Then  also thanks </a:t>
-            </a:r>
-            <a:r>
-              <a:rPr lang="en-US" dirty="0" smtClean="0"/>
-              <a:t>to U </a:t>
-            </a:r>
-            <a:r>
-              <a:rPr lang="en-US" dirty="0"/>
-              <a:t>Ravi </a:t>
-            </a:r>
-            <a:r>
-              <a:rPr lang="en-US" dirty="0" err="1" smtClean="0"/>
-              <a:t>Chhabra</a:t>
-            </a:r>
-            <a:r>
-              <a:rPr lang="en-US" dirty="0" smtClean="0"/>
-              <a:t> , </a:t>
-            </a:r>
-            <a:r>
-              <a:rPr lang="en-US" dirty="0"/>
-              <a:t>GEO </a:t>
-            </a:r>
-            <a:r>
-              <a:rPr lang="en-US" dirty="0" err="1"/>
-              <a:t>Mandalar</a:t>
-            </a:r>
-            <a:r>
-              <a:rPr lang="en-US" dirty="0"/>
-              <a:t> </a:t>
-            </a:r>
-            <a:r>
-              <a:rPr lang="en-US" dirty="0" err="1"/>
-              <a:t>Co.Ltd</a:t>
-            </a:r>
-            <a:r>
-              <a:rPr lang="en-US" dirty="0"/>
-              <a:t> ,for his trust to give us such a heavy responsibility  project.</a:t>
-            </a:r>
-          </a:p>
-          <a:p>
-            <a:pPr marL="457200" lvl="1" indent="0">
-              <a:buNone/>
-            </a:pPr>
-            <a:r>
-              <a:rPr lang="en-US" sz="2000" b="1" dirty="0"/>
-              <a:t>	</a:t>
-            </a:r>
-          </a:p>
-          <a:p>
-            <a:endParaRPr lang="en-US" dirty="0"/>
-          </a:p>
-        </p:txBody>
-      </p:sp>
-    </p:spTree>
-    <p:extLst>
-      <p:ext uri="{BB962C8B-B14F-4D97-AF65-F5344CB8AC3E}">
-        <p14:creationId xmlns:p14="http://schemas.microsoft.com/office/powerpoint/2010/main" val="2387348602"/>
-      </p:ext>
-    </p:extLst>
-  </p:cSld>
-  <p:clrMapOvr>
-    <a:masterClrMapping/>
-  </p:clrMapOvr>
-</p:sld>
-</file>
-
-<file path=ppt/slides/slide4.xml><?xml version="1.0" encoding="utf-8"?>
-<p:sld xmlns:a="http://schemas.openxmlformats.org/drawingml/2006/main" xmlns:r="http://schemas.openxmlformats.org/officeDocument/2006/relationships" xmlns:p="http://schemas.openxmlformats.org/presentationml/2006/main">
-  <p:cSld>
-    <p:spTree>
-      <p:nvGrpSpPr>
-        <p:cNvPr id="1" name=""/>
-        <p:cNvGrpSpPr/>
-        <p:nvPr/>
-      </p:nvGrpSpPr>
-      <p:grpSpPr>
-        <a:xfrm>
-          <a:off x="0" y="0"/>
-          <a:ext cx="0" cy="0"/>
-          <a:chOff x="0" y="0"/>
-          <a:chExt cx="0" cy="0"/>
-        </a:xfrm>
-      </p:grpSpPr>
-      <p:sp>
-        <p:nvSpPr>
-          <p:cNvPr id="2" name="Title 1"/>
-          <p:cNvSpPr>
-            <a:spLocks noGrp="1"/>
-          </p:cNvSpPr>
-          <p:nvPr>
-            <p:ph type="title"/>
-          </p:nvPr>
-        </p:nvSpPr>
-        <p:spPr/>
-        <p:txBody>
-          <a:bodyPr/>
-          <a:lstStyle/>
-          <a:p>
-            <a:r>
-              <a:rPr lang="en-US" dirty="0"/>
-              <a:t>Abstract</a:t>
-            </a:r>
-          </a:p>
-        </p:txBody>
-      </p:sp>
-      <p:sp>
-        <p:nvSpPr>
-          <p:cNvPr id="3" name="Content Placeholder 2"/>
-          <p:cNvSpPr>
-            <a:spLocks noGrp="1"/>
-          </p:cNvSpPr>
-          <p:nvPr>
-            <p:ph idx="1"/>
-          </p:nvPr>
-        </p:nvSpPr>
-        <p:spPr/>
-        <p:txBody>
-          <a:bodyPr>
-            <a:normAutofit fontScale="70000" lnSpcReduction="20000"/>
-          </a:bodyPr>
-          <a:lstStyle/>
-          <a:p>
-            <a:r>
-              <a:rPr lang="en-US" sz="1900" dirty="0"/>
-              <a:t>Electronic Thesis and Dissertation System is a work submitted in support of candidature for a  doctorate or master’ a degree.</a:t>
-            </a:r>
-          </a:p>
-          <a:p>
-            <a:r>
-              <a:rPr lang="en-US" sz="1900" dirty="0"/>
-              <a:t>Electronic versions of theses and dissertations are called ETDs.</a:t>
-            </a:r>
-          </a:p>
-          <a:p>
-            <a:r>
-              <a:rPr lang="en-US" sz="1900" dirty="0"/>
-              <a:t>This system is kind  of Educational website.</a:t>
-            </a:r>
-          </a:p>
-          <a:p>
-            <a:r>
-              <a:rPr lang="en-US" sz="1900" dirty="0"/>
-              <a:t>In our system , users can search theses and dissertations of CU(MDY)by Tear , and can see abstract of the thesis, author  name.</a:t>
-            </a:r>
-          </a:p>
-          <a:p>
-            <a:r>
-              <a:rPr lang="en-US" sz="1900" dirty="0"/>
-              <a:t>Users can also search </a:t>
-            </a:r>
-            <a:r>
-              <a:rPr lang="en-US" sz="1900" dirty="0" smtClean="0"/>
-              <a:t>books </a:t>
-            </a:r>
-            <a:r>
-              <a:rPr lang="en-US" sz="1900" dirty="0"/>
-              <a:t>and theses of </a:t>
-            </a:r>
-            <a:r>
-              <a:rPr lang="en-US" sz="1900" dirty="0" err="1"/>
-              <a:t>otago</a:t>
-            </a:r>
-            <a:r>
-              <a:rPr lang="en-US" sz="1900" dirty="0"/>
-              <a:t> university and Global ETD for more references</a:t>
-            </a:r>
-            <a:r>
-              <a:rPr lang="en-US" sz="1900" dirty="0" smtClean="0"/>
-              <a:t>.</a:t>
-            </a:r>
-          </a:p>
-          <a:p>
-            <a:r>
-              <a:rPr lang="en-US" sz="1900" dirty="0" smtClean="0"/>
-              <a:t>For  Admin Panel ,  admins can insert data into database , delete data and retrieve data for database.</a:t>
-            </a:r>
-          </a:p>
-          <a:p>
-            <a:r>
-              <a:rPr lang="en-US" sz="1900" dirty="0" smtClean="0"/>
-              <a:t>Users can use our system with both smart phones and computer.</a:t>
-            </a:r>
-            <a:endParaRPr lang="en-US" sz="1900" dirty="0"/>
-          </a:p>
-          <a:p>
-            <a:r>
-              <a:rPr lang="en-US" sz="1900" dirty="0"/>
-              <a:t>For Front End , the system was implemented using material design(HTML,CSS).</a:t>
-            </a:r>
-          </a:p>
-          <a:p>
-            <a:r>
-              <a:rPr lang="en-US" sz="1900" dirty="0"/>
-              <a:t>For Back End , the system was implemented using </a:t>
-            </a:r>
-            <a:r>
-              <a:rPr lang="en-US" sz="1900" dirty="0" err="1"/>
-              <a:t>javascript</a:t>
-            </a:r>
-            <a:r>
-              <a:rPr lang="en-US" sz="1900" dirty="0"/>
-              <a:t> and jQuery.</a:t>
-            </a:r>
-          </a:p>
-          <a:p>
-            <a:r>
-              <a:rPr lang="en-US" sz="1900" dirty="0"/>
-              <a:t>And we also used Firebase Hosting and Database.</a:t>
-            </a:r>
-          </a:p>
-          <a:p>
-            <a:endParaRPr lang="en-US" dirty="0"/>
-          </a:p>
-        </p:txBody>
-      </p:sp>
-    </p:spTree>
-    <p:extLst>
-      <p:ext uri="{BB962C8B-B14F-4D97-AF65-F5344CB8AC3E}">
-        <p14:creationId xmlns:p14="http://schemas.microsoft.com/office/powerpoint/2010/main" val="666928469"/>
-      </p:ext>
-    </p:extLst>
-  </p:cSld>
-  <p:clrMapOvr>
-    <a:masterClrMapping/>
-  </p:clrMapOvr>
-</p:sld>
-</file>
-
-<file path=ppt/slides/slide5.xml><?xml version="1.0" encoding="utf-8"?>
-<p:sld xmlns:a="http://schemas.openxmlformats.org/drawingml/2006/main" xmlns:r="http://schemas.openxmlformats.org/officeDocument/2006/relationships" xmlns:p="http://schemas.openxmlformats.org/presentationml/2006/main">
-  <p:cSld>
-    <p:spTree>
-      <p:nvGrpSpPr>
-        <p:cNvPr id="1" name=""/>
-        <p:cNvGrpSpPr/>
-        <p:nvPr/>
-      </p:nvGrpSpPr>
-      <p:grpSpPr>
-        <a:xfrm>
-          <a:off x="0" y="0"/>
-          <a:ext cx="0" cy="0"/>
-          <a:chOff x="0" y="0"/>
-          <a:chExt cx="0" cy="0"/>
-        </a:xfrm>
-      </p:grpSpPr>
-      <p:sp>
-        <p:nvSpPr>
-          <p:cNvPr id="2" name="Title 1"/>
-          <p:cNvSpPr>
-            <a:spLocks noGrp="1"/>
-          </p:cNvSpPr>
-          <p:nvPr>
-            <p:ph type="title"/>
-          </p:nvPr>
-        </p:nvSpPr>
-        <p:spPr/>
-        <p:txBody>
-          <a:bodyPr/>
-          <a:lstStyle/>
-          <a:p>
-            <a:r>
-              <a:rPr lang="en-US" dirty="0"/>
-              <a:t>Objectives</a:t>
-            </a:r>
-          </a:p>
-        </p:txBody>
-      </p:sp>
-      <p:sp>
-        <p:nvSpPr>
-          <p:cNvPr id="3" name="Content Placeholder 2"/>
-          <p:cNvSpPr>
-            <a:spLocks noGrp="1"/>
-          </p:cNvSpPr>
-          <p:nvPr>
-            <p:ph idx="1"/>
-          </p:nvPr>
-        </p:nvSpPr>
-        <p:spPr/>
-        <p:txBody>
-          <a:bodyPr/>
-          <a:lstStyle/>
-          <a:p>
-            <a:r>
-              <a:rPr lang="en-US" dirty="0"/>
-              <a:t>To save time</a:t>
-            </a:r>
-          </a:p>
-          <a:p>
-            <a:r>
-              <a:rPr lang="en-US" dirty="0"/>
-              <a:t>Helping students be better prepared as knowledge workers</a:t>
-            </a:r>
-          </a:p>
-          <a:p>
-            <a:r>
-              <a:rPr lang="en-US" dirty="0"/>
-              <a:t>To develop university digital </a:t>
-            </a:r>
-            <a:r>
-              <a:rPr lang="en-US" dirty="0" err="1"/>
-              <a:t>llibrary</a:t>
-            </a:r>
-            <a:r>
-              <a:rPr lang="en-US" dirty="0"/>
-              <a:t> services and </a:t>
-            </a:r>
-            <a:r>
-              <a:rPr lang="en-US" dirty="0" err="1"/>
-              <a:t>infrasture</a:t>
-            </a:r>
-            <a:endParaRPr lang="en-US" dirty="0"/>
-          </a:p>
-          <a:p>
-            <a:r>
-              <a:rPr lang="en-US" dirty="0"/>
-              <a:t>Increasing sharing and collaboration among university and students</a:t>
-            </a:r>
-          </a:p>
-          <a:p>
-            <a:r>
-              <a:rPr lang="en-US" dirty="0"/>
-              <a:t>Enhancing access to university research</a:t>
-            </a:r>
-          </a:p>
-          <a:p>
-            <a:endParaRPr lang="en-US" dirty="0"/>
-          </a:p>
-        </p:txBody>
-      </p:sp>
-    </p:spTree>
-    <p:extLst>
-      <p:ext uri="{BB962C8B-B14F-4D97-AF65-F5344CB8AC3E}">
-        <p14:creationId xmlns:p14="http://schemas.microsoft.com/office/powerpoint/2010/main" val="271712334"/>
-      </p:ext>
-    </p:extLst>
-  </p:cSld>
-  <p:clrMapOvr>
-    <a:masterClrMapping/>
-  </p:clrMapOvr>
-</p:sld>
-</file>
-
-<file path=ppt/slides/slide6.xml><?xml version="1.0" encoding="utf-8"?>
-<p:sld xmlns:a="http://schemas.openxmlformats.org/drawingml/2006/main" xmlns:r="http://schemas.openxmlformats.org/officeDocument/2006/relationships" xmlns:p="http://schemas.openxmlformats.org/presentationml/2006/main">
-  <p:cSld>
-    <p:spTree>
-      <p:nvGrpSpPr>
-        <p:cNvPr id="1" name=""/>
-        <p:cNvGrpSpPr/>
-        <p:nvPr/>
-      </p:nvGrpSpPr>
-      <p:grpSpPr>
-        <a:xfrm>
-          <a:off x="0" y="0"/>
-          <a:ext cx="0" cy="0"/>
-          <a:chOff x="0" y="0"/>
-          <a:chExt cx="0" cy="0"/>
-        </a:xfrm>
-      </p:grpSpPr>
-      <p:sp>
-        <p:nvSpPr>
-          <p:cNvPr id="2" name="Title 1"/>
-          <p:cNvSpPr>
-            <a:spLocks noGrp="1"/>
-          </p:cNvSpPr>
-          <p:nvPr>
-            <p:ph type="title"/>
-          </p:nvPr>
-        </p:nvSpPr>
-        <p:spPr/>
-        <p:txBody>
-          <a:bodyPr/>
-          <a:lstStyle/>
-          <a:p>
-            <a:r>
-              <a:rPr lang="en-US" dirty="0"/>
-              <a:t>Introduction of Electronic Thesis and Dissertation</a:t>
-            </a:r>
-          </a:p>
-        </p:txBody>
-      </p:sp>
-      <p:sp>
-        <p:nvSpPr>
-          <p:cNvPr id="3" name="Content Placeholder 2"/>
-          <p:cNvSpPr>
-            <a:spLocks noGrp="1"/>
-          </p:cNvSpPr>
-          <p:nvPr>
-            <p:ph idx="1"/>
-          </p:nvPr>
-        </p:nvSpPr>
-        <p:spPr/>
-        <p:txBody>
-          <a:bodyPr>
-            <a:normAutofit/>
-          </a:bodyPr>
-          <a:lstStyle/>
-          <a:p>
-            <a:r>
-              <a:rPr lang="en-US" dirty="0"/>
-              <a:t>Electronic Thesis and Dissertation will involve </a:t>
-            </a:r>
-            <a:r>
-              <a:rPr lang="en-US" dirty="0" smtClean="0"/>
-              <a:t>two</a:t>
-            </a:r>
-            <a:r>
-              <a:rPr lang="en-US" dirty="0" smtClean="0"/>
-              <a:t> </a:t>
-            </a:r>
-            <a:r>
-              <a:rPr lang="en-US" dirty="0" err="1" smtClean="0"/>
-              <a:t>stateholders</a:t>
-            </a:r>
-            <a:r>
-              <a:rPr lang="en-US" dirty="0" smtClean="0"/>
-              <a:t> (Admin , User).</a:t>
-            </a:r>
-          </a:p>
-          <a:p>
-            <a:r>
-              <a:rPr lang="en-US" dirty="0" smtClean="0"/>
-              <a:t>In our system , users can search theses with their abstracts from 2008 to 2016.</a:t>
-            </a:r>
-          </a:p>
-          <a:p>
-            <a:r>
-              <a:rPr lang="en-US" dirty="0" smtClean="0"/>
-              <a:t>In our project , users can also search theses reference books and global theses and dissertations from other universities around the world for various fields and major.</a:t>
-            </a:r>
-          </a:p>
-          <a:p>
-            <a:r>
-              <a:rPr lang="en-US" dirty="0"/>
-              <a:t>For  Admin Panel ,  admins can insert data into database , delete data and retrieve data for database.</a:t>
-            </a:r>
-          </a:p>
-          <a:p>
-            <a:r>
-              <a:rPr lang="en-US" dirty="0" smtClean="0"/>
-              <a:t>The aims of our project is to save time and energy , to reduce paper works and familiar with electronic </a:t>
-            </a:r>
-            <a:r>
-              <a:rPr lang="en-US" dirty="0" err="1" smtClean="0"/>
-              <a:t>labary</a:t>
-            </a:r>
-            <a:r>
-              <a:rPr lang="en-US" dirty="0" smtClean="0"/>
-              <a:t>.</a:t>
-            </a:r>
-            <a:endParaRPr lang="en-US" dirty="0"/>
-          </a:p>
-          <a:p>
-            <a:endParaRPr lang="en-US" dirty="0"/>
-          </a:p>
-        </p:txBody>
-      </p:sp>
-    </p:spTree>
-    <p:extLst>
-      <p:ext uri="{BB962C8B-B14F-4D97-AF65-F5344CB8AC3E}">
-        <p14:creationId xmlns:p14="http://schemas.microsoft.com/office/powerpoint/2010/main" val="528883258"/>
-      </p:ext>
-    </p:extLst>
-  </p:cSld>
-  <p:clrMapOvr>
-    <a:masterClrMapping/>
-  </p:clrMapOvr>
-</p:sld>
-</file>
-
-<file path=ppt/slides/slide7.xml><?xml version="1.0" encoding="utf-8"?>
-<p:sld xmlns:a="http://schemas.openxmlformats.org/drawingml/2006/main" xmlns:r="http://schemas.openxmlformats.org/officeDocument/2006/relationships" xmlns:p="http://schemas.openxmlformats.org/presentationml/2006/main">
-  <p:cSld>
-    <p:spTree>
-      <p:nvGrpSpPr>
-        <p:cNvPr id="1" name=""/>
-        <p:cNvGrpSpPr/>
-        <p:nvPr/>
-      </p:nvGrpSpPr>
-      <p:grpSpPr>
-        <a:xfrm>
-          <a:off x="0" y="0"/>
-          <a:ext cx="0" cy="0"/>
-          <a:chOff x="0" y="0"/>
-          <a:chExt cx="0" cy="0"/>
-        </a:xfrm>
-      </p:grpSpPr>
-      <p:sp>
-        <p:nvSpPr>
-          <p:cNvPr id="2" name="Title 1"/>
-          <p:cNvSpPr>
-            <a:spLocks noGrp="1"/>
-          </p:cNvSpPr>
-          <p:nvPr>
-            <p:ph type="title"/>
-          </p:nvPr>
-        </p:nvSpPr>
-        <p:spPr/>
-        <p:txBody>
-          <a:bodyPr/>
-          <a:lstStyle/>
-          <a:p>
-            <a:r>
-              <a:rPr lang="en-US" dirty="0" smtClean="0"/>
-              <a:t>Requirement Analysis</a:t>
-            </a:r>
-            <a:endParaRPr lang="en-US" dirty="0"/>
-          </a:p>
-        </p:txBody>
-      </p:sp>
-      <p:sp>
-        <p:nvSpPr>
-          <p:cNvPr id="3" name="Content Placeholder 2"/>
-          <p:cNvSpPr>
-            <a:spLocks noGrp="1"/>
-          </p:cNvSpPr>
-          <p:nvPr>
-            <p:ph idx="1"/>
-          </p:nvPr>
-        </p:nvSpPr>
-        <p:spPr/>
-        <p:txBody>
-          <a:bodyPr/>
-          <a:lstStyle/>
-          <a:p>
-            <a:r>
-              <a:rPr lang="en-US" dirty="0" smtClean="0"/>
-              <a:t>The description of the services and constraints are the requirements for the system.</a:t>
-            </a:r>
-          </a:p>
-          <a:p>
-            <a:r>
-              <a:rPr lang="en-US" dirty="0" smtClean="0"/>
-              <a:t>Requirement Analysis is the process of deriving the system requirements through observation of existing system ,discussions with potential users and procurers , task analysis.</a:t>
-            </a:r>
-          </a:p>
-          <a:p>
-            <a:r>
-              <a:rPr lang="en-US" dirty="0" smtClean="0"/>
-              <a:t>We get all information of data we use in this project from library </a:t>
-            </a:r>
-            <a:r>
-              <a:rPr lang="en-US" smtClean="0"/>
-              <a:t>of </a:t>
-            </a:r>
-            <a:r>
-              <a:rPr lang="en-US"/>
-              <a:t>C</a:t>
-            </a:r>
-            <a:r>
-              <a:rPr lang="en-US" smtClean="0"/>
-              <a:t>omputer </a:t>
-            </a:r>
-            <a:r>
-              <a:rPr lang="en-US" dirty="0"/>
-              <a:t>U</a:t>
-            </a:r>
-            <a:r>
-              <a:rPr lang="en-US" dirty="0" smtClean="0"/>
-              <a:t>niversity </a:t>
-            </a:r>
-            <a:r>
-              <a:rPr lang="en-US" dirty="0"/>
-              <a:t>M</a:t>
-            </a:r>
-            <a:r>
-              <a:rPr lang="en-US" dirty="0" smtClean="0"/>
-              <a:t>andalay.</a:t>
-            </a:r>
-            <a:endParaRPr lang="en-US" dirty="0"/>
-          </a:p>
-        </p:txBody>
-      </p:sp>
-    </p:spTree>
-    <p:extLst>
-      <p:ext uri="{BB962C8B-B14F-4D97-AF65-F5344CB8AC3E}">
-        <p14:creationId xmlns:p14="http://schemas.microsoft.com/office/powerpoint/2010/main" val="2620374173"/>
-      </p:ext>
-    </p:extLst>
-  </p:cSld>
-  <p:clrMapOvr>
-    <a:masterClrMapping/>
-  </p:clrMapOvr>
-</p:sld>
-</file>
-
-<file path=ppt/slides/slide8.xml><?xml version="1.0" encoding="utf-8"?>
-<p:sld xmlns:a="http://schemas.openxmlformats.org/drawingml/2006/main" xmlns:r="http://schemas.openxmlformats.org/officeDocument/2006/relationships" xmlns:p="http://schemas.openxmlformats.org/presentationml/2006/main">
-  <p:cSld>
-    <p:spTree>
-      <p:nvGrpSpPr>
-        <p:cNvPr id="1" name=""/>
-        <p:cNvGrpSpPr/>
-        <p:nvPr/>
-      </p:nvGrpSpPr>
-      <p:grpSpPr>
-        <a:xfrm>
-          <a:off x="0" y="0"/>
-          <a:ext cx="0" cy="0"/>
-          <a:chOff x="0" y="0"/>
-          <a:chExt cx="0" cy="0"/>
-        </a:xfrm>
-      </p:grpSpPr>
-      <p:sp>
-        <p:nvSpPr>
-          <p:cNvPr id="2" name="Title 1"/>
-          <p:cNvSpPr>
-            <a:spLocks noGrp="1"/>
-          </p:cNvSpPr>
-          <p:nvPr>
-            <p:ph type="title"/>
-          </p:nvPr>
-        </p:nvSpPr>
-        <p:spPr/>
-        <p:txBody>
-          <a:bodyPr/>
-          <a:lstStyle/>
-          <a:p>
-            <a:r>
-              <a:rPr lang="en-US" dirty="0" smtClean="0"/>
-              <a:t>Background</a:t>
-            </a:r>
-            <a:endParaRPr lang="en-US" dirty="0"/>
-          </a:p>
-        </p:txBody>
-      </p:sp>
-      <p:sp>
-        <p:nvSpPr>
-          <p:cNvPr id="3" name="Content Placeholder 2"/>
-          <p:cNvSpPr>
-            <a:spLocks noGrp="1"/>
-          </p:cNvSpPr>
-          <p:nvPr>
-            <p:ph idx="1"/>
-          </p:nvPr>
-        </p:nvSpPr>
-        <p:spPr/>
-        <p:txBody>
-          <a:bodyPr/>
-          <a:lstStyle/>
-          <a:p>
-            <a:r>
-              <a:rPr lang="en-US" dirty="0" smtClean="0"/>
-              <a:t>Our Software Company has received</a:t>
-            </a:r>
-          </a:p>
-          <a:p>
-            <a:r>
-              <a:rPr lang="en-US" dirty="0" smtClean="0"/>
-              <a:t>Moreover , we want to know the profit and loss of our system.</a:t>
-            </a:r>
-          </a:p>
-          <a:p>
-            <a:r>
-              <a:rPr lang="en-US" dirty="0" smtClean="0"/>
-              <a:t>So there are many processes to develop manual system and it may be more cost ant time waste . So we decide to develop our system to reduce the problem.</a:t>
-            </a:r>
-            <a:endParaRPr lang="en-US" dirty="0"/>
-          </a:p>
-        </p:txBody>
-      </p:sp>
-    </p:spTree>
-    <p:extLst>
-      <p:ext uri="{BB962C8B-B14F-4D97-AF65-F5344CB8AC3E}">
-        <p14:creationId xmlns:p14="http://schemas.microsoft.com/office/powerpoint/2010/main" val="2345461699"/>
+        <p14:creationId xmlns:p14="http://schemas.microsoft.com/office/powerpoint/2010/main" val="1177767577"/>
       </p:ext>
     </p:extLst>
   </p:cSld>
@@ -9277,19 +9224,14 @@
             <p:ph type="title"/>
           </p:nvPr>
         </p:nvSpPr>
-        <p:spPr>
-          <a:xfrm>
-            <a:off x="2167467" y="82243"/>
-            <a:ext cx="8953323" cy="707979"/>
-          </a:xfrm>
-        </p:spPr>
+        <p:spPr/>
         <p:txBody>
           <a:bodyPr/>
           <a:lstStyle/>
           <a:p>
             <a:r>
               <a:rPr lang="en-US" dirty="0" smtClean="0"/>
-              <a:t>Flowchart Diagram For Admin</a:t>
+              <a:t>Flow chart diagram for User</a:t>
             </a:r>
             <a:endParaRPr lang="en-US" dirty="0"/>
           </a:p>
@@ -9297,7 +9239,7 @@
       </p:sp>
       <p:pic>
         <p:nvPicPr>
-          <p:cNvPr id="4" name="Content Placeholder 3" descr="C:\Users\ACER\Documentation\uml\FlowChart for admin.png"/>
+          <p:cNvPr id="4" name="Content Placeholder 3" descr="C:\Users\ACER\Documentation\uml\FlowChart for user.png"/>
           <p:cNvPicPr>
             <a:picLocks noGrp="1"/>
           </p:cNvPicPr>
@@ -9320,8 +9262,8 @@
         </p:blipFill>
         <p:spPr bwMode="auto">
           <a:xfrm>
-            <a:off x="2167467" y="790223"/>
-            <a:ext cx="6897511" cy="5988756"/>
+            <a:off x="2777067" y="1825978"/>
+            <a:ext cx="4538133" cy="4953000"/>
           </a:xfrm>
           <a:prstGeom prst="rect">
             <a:avLst/>
@@ -9335,7 +9277,7 @@
     </p:spTree>
     <p:extLst>
       <p:ext uri="{BB962C8B-B14F-4D97-AF65-F5344CB8AC3E}">
-        <p14:creationId xmlns:p14="http://schemas.microsoft.com/office/powerpoint/2010/main" val="1177767577"/>
+        <p14:creationId xmlns:p14="http://schemas.microsoft.com/office/powerpoint/2010/main" val="1614212040"/>
       </p:ext>
     </p:extLst>
   </p:cSld>

--- a/powerpoint.pptx
+++ b/powerpoint.pptx
@@ -7944,25 +7944,38 @@
           </a:p>
         </p:txBody>
       </p:sp>
-      <p:sp>
-        <p:nvSpPr>
-          <p:cNvPr id="3" name="Content Placeholder 2"/>
-          <p:cNvSpPr>
-            <a:spLocks noGrp="1"/>
-          </p:cNvSpPr>
+      <p:pic>
+        <p:nvPicPr>
+          <p:cNvPr id="4" name="Content Placeholder 3"/>
+          <p:cNvPicPr>
+            <a:picLocks noGrp="1"/>
+          </p:cNvPicPr>
           <p:nvPr>
             <p:ph idx="1"/>
           </p:nvPr>
-        </p:nvSpPr>
-        <p:spPr/>
-        <p:txBody>
-          <a:bodyPr/>
-          <a:lstStyle/>
-          <a:p>
-            <a:endParaRPr lang="en-US"/>
-          </a:p>
-        </p:txBody>
-      </p:sp>
+        </p:nvPicPr>
+        <p:blipFill>
+          <a:blip r:embed="rId2">
+            <a:extLst>
+              <a:ext uri="{28A0092B-C50C-407E-A947-70E740481C1C}">
+                <a14:useLocalDpi xmlns:a14="http://schemas.microsoft.com/office/drawing/2010/main" val="0"/>
+              </a:ext>
+            </a:extLst>
+          </a:blip>
+          <a:stretch>
+            <a:fillRect/>
+          </a:stretch>
+        </p:blipFill>
+        <p:spPr>
+          <a:xfrm>
+            <a:off x="1951463" y="1182029"/>
+            <a:ext cx="9656957" cy="5675971"/>
+          </a:xfrm>
+          <a:prstGeom prst="rect">
+            <a:avLst/>
+          </a:prstGeom>
+        </p:spPr>
+      </p:pic>
     </p:spTree>
     <p:extLst>
       <p:ext uri="{BB962C8B-B14F-4D97-AF65-F5344CB8AC3E}">
